--- a/52200157_52200158_52200159.pptx
+++ b/52200157_52200158_52200159.pptx
@@ -288,7 +288,7 @@
           <a:p>
             <a:fld id="{63A1C593-65D0-4073-BCC9-577B9352EA97}" type="datetimeFigureOut">
               <a:rPr lang="en-US" smtClean="0"/>
-              <a:t>11/30/2025</a:t>
+              <a:t>12/9/2025</a:t>
             </a:fld>
             <a:endParaRPr lang="en-US"/>
           </a:p>
@@ -451,7 +451,7 @@
           <a:p>
             <a:fld id="{63A1C593-65D0-4073-BCC9-577B9352EA97}" type="datetimeFigureOut">
               <a:rPr lang="en-US" smtClean="0"/>
-              <a:t>11/30/2025</a:t>
+              <a:t>12/9/2025</a:t>
             </a:fld>
             <a:endParaRPr lang="en-US"/>
           </a:p>
@@ -624,7 +624,7 @@
           <a:p>
             <a:fld id="{63A1C593-65D0-4073-BCC9-577B9352EA97}" type="datetimeFigureOut">
               <a:rPr lang="en-US" smtClean="0"/>
-              <a:t>11/30/2025</a:t>
+              <a:t>12/9/2025</a:t>
             </a:fld>
             <a:endParaRPr lang="en-US"/>
           </a:p>
@@ -787,7 +787,7 @@
           <a:p>
             <a:fld id="{63A1C593-65D0-4073-BCC9-577B9352EA97}" type="datetimeFigureOut">
               <a:rPr lang="en-US" smtClean="0"/>
-              <a:t>11/30/2025</a:t>
+              <a:t>12/9/2025</a:t>
             </a:fld>
             <a:endParaRPr lang="en-US"/>
           </a:p>
@@ -1027,7 +1027,7 @@
           <a:p>
             <a:fld id="{63A1C593-65D0-4073-BCC9-577B9352EA97}" type="datetimeFigureOut">
               <a:rPr lang="en-US" smtClean="0"/>
-              <a:t>11/30/2025</a:t>
+              <a:t>12/9/2025</a:t>
             </a:fld>
             <a:endParaRPr lang="en-US"/>
           </a:p>
@@ -1251,7 +1251,7 @@
           <a:p>
             <a:fld id="{63A1C593-65D0-4073-BCC9-577B9352EA97}" type="datetimeFigureOut">
               <a:rPr lang="en-US" smtClean="0"/>
-              <a:t>11/30/2025</a:t>
+              <a:t>12/9/2025</a:t>
             </a:fld>
             <a:endParaRPr lang="en-US"/>
           </a:p>
@@ -1610,7 +1610,7 @@
           <a:p>
             <a:fld id="{63A1C593-65D0-4073-BCC9-577B9352EA97}" type="datetimeFigureOut">
               <a:rPr lang="en-US" smtClean="0"/>
-              <a:t>11/30/2025</a:t>
+              <a:t>12/9/2025</a:t>
             </a:fld>
             <a:endParaRPr lang="en-US"/>
           </a:p>
@@ -1722,7 +1722,7 @@
           <a:p>
             <a:fld id="{63A1C593-65D0-4073-BCC9-577B9352EA97}" type="datetimeFigureOut">
               <a:rPr lang="en-US" smtClean="0"/>
-              <a:t>11/30/2025</a:t>
+              <a:t>12/9/2025</a:t>
             </a:fld>
             <a:endParaRPr lang="en-US"/>
           </a:p>
@@ -1812,7 +1812,7 @@
           <a:p>
             <a:fld id="{63A1C593-65D0-4073-BCC9-577B9352EA97}" type="datetimeFigureOut">
               <a:rPr lang="en-US" smtClean="0"/>
-              <a:t>11/30/2025</a:t>
+              <a:t>12/9/2025</a:t>
             </a:fld>
             <a:endParaRPr lang="en-US"/>
           </a:p>
@@ -2082,7 +2082,7 @@
           <a:p>
             <a:fld id="{63A1C593-65D0-4073-BCC9-577B9352EA97}" type="datetimeFigureOut">
               <a:rPr lang="en-US" smtClean="0"/>
-              <a:t>11/30/2025</a:t>
+              <a:t>12/9/2025</a:t>
             </a:fld>
             <a:endParaRPr lang="en-US"/>
           </a:p>
@@ -2329,7 +2329,7 @@
           <a:p>
             <a:fld id="{63A1C593-65D0-4073-BCC9-577B9352EA97}" type="datetimeFigureOut">
               <a:rPr lang="en-US" smtClean="0"/>
-              <a:t>11/30/2025</a:t>
+              <a:t>12/9/2025</a:t>
             </a:fld>
             <a:endParaRPr lang="en-US"/>
           </a:p>
@@ -2535,7 +2535,7 @@
           <a:p>
             <a:fld id="{63A1C593-65D0-4073-BCC9-577B9352EA97}" type="datetimeFigureOut">
               <a:rPr lang="en-US" smtClean="0"/>
-              <a:t>11/30/2025</a:t>
+              <a:t>12/9/2025</a:t>
             </a:fld>
             <a:endParaRPr lang="en-US"/>
           </a:p>
@@ -35693,17 +35693,50 @@
               <a:buChar char="•"/>
             </a:pPr>
             <a:r>
-              <a:rPr lang="en-US" b="1">
-                <a:solidFill>
-                  <a:srgbClr val="373A3C"/>
-                </a:solidFill>
-                <a:latin typeface="Times New Roman"/>
-                <a:ea typeface="+mn-lt"/>
-                <a:cs typeface="+mn-lt"/>
-              </a:rPr>
-              <a:t>Kiến trúc:</a:t>
-            </a:r>
-            <a:endParaRPr lang="vi-VN">
+              <a:rPr lang="en-US" b="1" dirty="0" err="1">
+                <a:solidFill>
+                  <a:srgbClr val="373A3C"/>
+                </a:solidFill>
+                <a:latin typeface="Times New Roman"/>
+                <a:ea typeface="+mn-lt"/>
+                <a:cs typeface="+mn-lt"/>
+              </a:rPr>
+              <a:t>Kiến</a:t>
+            </a:r>
+            <a:r>
+              <a:rPr lang="en-US" b="1" dirty="0">
+                <a:solidFill>
+                  <a:srgbClr val="373A3C"/>
+                </a:solidFill>
+                <a:latin typeface="Times New Roman"/>
+                <a:ea typeface="+mn-lt"/>
+                <a:cs typeface="+mn-lt"/>
+              </a:rPr>
+              <a:t> </a:t>
+            </a:r>
+            <a:r>
+              <a:rPr lang="en-US" b="1" dirty="0" err="1">
+                <a:solidFill>
+                  <a:srgbClr val="373A3C"/>
+                </a:solidFill>
+                <a:latin typeface="Times New Roman"/>
+                <a:ea typeface="+mn-lt"/>
+                <a:cs typeface="+mn-lt"/>
+              </a:rPr>
+              <a:t>trúc</a:t>
+            </a:r>
+            <a:r>
+              <a:rPr lang="en-US" b="1" dirty="0">
+                <a:solidFill>
+                  <a:srgbClr val="373A3C"/>
+                </a:solidFill>
+                <a:latin typeface="Times New Roman"/>
+                <a:ea typeface="+mn-lt"/>
+                <a:cs typeface="+mn-lt"/>
+              </a:rPr>
+              <a:t>:</a:t>
+            </a:r>
+            <a:endParaRPr lang="vi-VN" dirty="0">
               <a:solidFill>
                 <a:srgbClr val="000000"/>
               </a:solidFill>
@@ -35718,17 +35751,248 @@
               <a:buChar char="o"/>
             </a:pPr>
             <a:r>
-              <a:rPr lang="en-US">
-                <a:solidFill>
-                  <a:srgbClr val="373A3C"/>
-                </a:solidFill>
-                <a:latin typeface="Times New Roman"/>
-                <a:ea typeface="+mn-lt"/>
-                <a:cs typeface="+mn-lt"/>
-              </a:rPr>
-              <a:t>Kết hợp cả Encoder (mã hóa đầu vào) và Decoder (sinh đầu ra).</a:t>
-            </a:r>
-            <a:endParaRPr lang="en-US">
+              <a:rPr lang="en-US" dirty="0" err="1">
+                <a:solidFill>
+                  <a:srgbClr val="373A3C"/>
+                </a:solidFill>
+                <a:latin typeface="Times New Roman"/>
+                <a:ea typeface="+mn-lt"/>
+                <a:cs typeface="+mn-lt"/>
+              </a:rPr>
+              <a:t>Kết</a:t>
+            </a:r>
+            <a:r>
+              <a:rPr lang="en-US" dirty="0">
+                <a:solidFill>
+                  <a:srgbClr val="373A3C"/>
+                </a:solidFill>
+                <a:latin typeface="Times New Roman"/>
+                <a:ea typeface="+mn-lt"/>
+                <a:cs typeface="+mn-lt"/>
+              </a:rPr>
+              <a:t> </a:t>
+            </a:r>
+            <a:r>
+              <a:rPr lang="en-US" dirty="0" err="1">
+                <a:solidFill>
+                  <a:srgbClr val="373A3C"/>
+                </a:solidFill>
+                <a:latin typeface="Times New Roman"/>
+                <a:ea typeface="+mn-lt"/>
+                <a:cs typeface="+mn-lt"/>
+              </a:rPr>
+              <a:t>hợp</a:t>
+            </a:r>
+            <a:r>
+              <a:rPr lang="en-US" dirty="0">
+                <a:solidFill>
+                  <a:srgbClr val="373A3C"/>
+                </a:solidFill>
+                <a:latin typeface="Times New Roman"/>
+                <a:ea typeface="+mn-lt"/>
+                <a:cs typeface="+mn-lt"/>
+              </a:rPr>
+              <a:t> </a:t>
+            </a:r>
+            <a:r>
+              <a:rPr lang="en-US" dirty="0" err="1">
+                <a:solidFill>
+                  <a:srgbClr val="373A3C"/>
+                </a:solidFill>
+                <a:latin typeface="Times New Roman"/>
+                <a:ea typeface="+mn-lt"/>
+                <a:cs typeface="+mn-lt"/>
+              </a:rPr>
+              <a:t>cả</a:t>
+            </a:r>
+            <a:r>
+              <a:rPr lang="en-US" dirty="0">
+                <a:solidFill>
+                  <a:srgbClr val="373A3C"/>
+                </a:solidFill>
+                <a:latin typeface="Times New Roman"/>
+                <a:ea typeface="+mn-lt"/>
+                <a:cs typeface="+mn-lt"/>
+              </a:rPr>
+              <a:t> Encoder (</a:t>
+            </a:r>
+            <a:r>
+              <a:rPr lang="en-US" dirty="0" err="1">
+                <a:solidFill>
+                  <a:srgbClr val="373A3C"/>
+                </a:solidFill>
+                <a:latin typeface="Times New Roman"/>
+                <a:ea typeface="+mn-lt"/>
+                <a:cs typeface="+mn-lt"/>
+              </a:rPr>
+              <a:t>mã</a:t>
+            </a:r>
+            <a:r>
+              <a:rPr lang="en-US" dirty="0">
+                <a:solidFill>
+                  <a:srgbClr val="373A3C"/>
+                </a:solidFill>
+                <a:latin typeface="Times New Roman"/>
+                <a:ea typeface="+mn-lt"/>
+                <a:cs typeface="+mn-lt"/>
+              </a:rPr>
+              <a:t> </a:t>
+            </a:r>
+            <a:r>
+              <a:rPr lang="en-US" dirty="0" err="1">
+                <a:solidFill>
+                  <a:srgbClr val="373A3C"/>
+                </a:solidFill>
+                <a:latin typeface="Times New Roman"/>
+                <a:ea typeface="+mn-lt"/>
+                <a:cs typeface="+mn-lt"/>
+              </a:rPr>
+              <a:t>hóa</a:t>
+            </a:r>
+            <a:r>
+              <a:rPr lang="en-US" dirty="0">
+                <a:solidFill>
+                  <a:srgbClr val="373A3C"/>
+                </a:solidFill>
+                <a:latin typeface="Times New Roman"/>
+                <a:ea typeface="+mn-lt"/>
+                <a:cs typeface="+mn-lt"/>
+              </a:rPr>
+              <a:t> </a:t>
+            </a:r>
+            <a:r>
+              <a:rPr lang="en-US" dirty="0" err="1">
+                <a:solidFill>
+                  <a:srgbClr val="373A3C"/>
+                </a:solidFill>
+                <a:latin typeface="Times New Roman"/>
+                <a:ea typeface="+mn-lt"/>
+                <a:cs typeface="+mn-lt"/>
+              </a:rPr>
+              <a:t>đầu</a:t>
+            </a:r>
+            <a:r>
+              <a:rPr lang="en-US" dirty="0">
+                <a:solidFill>
+                  <a:srgbClr val="373A3C"/>
+                </a:solidFill>
+                <a:latin typeface="Times New Roman"/>
+                <a:ea typeface="+mn-lt"/>
+                <a:cs typeface="+mn-lt"/>
+              </a:rPr>
+              <a:t> </a:t>
+            </a:r>
+            <a:r>
+              <a:rPr lang="en-US" dirty="0" err="1">
+                <a:solidFill>
+                  <a:srgbClr val="373A3C"/>
+                </a:solidFill>
+                <a:latin typeface="Times New Roman"/>
+                <a:ea typeface="+mn-lt"/>
+                <a:cs typeface="+mn-lt"/>
+              </a:rPr>
+              <a:t>vào</a:t>
+            </a:r>
+            <a:r>
+              <a:rPr lang="en-US" dirty="0">
+                <a:solidFill>
+                  <a:srgbClr val="373A3C"/>
+                </a:solidFill>
+                <a:latin typeface="Times New Roman"/>
+                <a:ea typeface="+mn-lt"/>
+                <a:cs typeface="+mn-lt"/>
+              </a:rPr>
+              <a:t>) </a:t>
+            </a:r>
+            <a:r>
+              <a:rPr lang="en-US" dirty="0" err="1">
+                <a:solidFill>
+                  <a:srgbClr val="373A3C"/>
+                </a:solidFill>
+                <a:latin typeface="Times New Roman"/>
+                <a:ea typeface="+mn-lt"/>
+                <a:cs typeface="+mn-lt"/>
+              </a:rPr>
+              <a:t>và</a:t>
+            </a:r>
+            <a:r>
+              <a:rPr lang="en-US" dirty="0">
+                <a:solidFill>
+                  <a:srgbClr val="373A3C"/>
+                </a:solidFill>
+                <a:latin typeface="Times New Roman"/>
+                <a:ea typeface="+mn-lt"/>
+                <a:cs typeface="+mn-lt"/>
+              </a:rPr>
+              <a:t> Decoder (</a:t>
+            </a:r>
+            <a:r>
+              <a:rPr lang="en-US" dirty="0" err="1">
+                <a:solidFill>
+                  <a:srgbClr val="373A3C"/>
+                </a:solidFill>
+                <a:latin typeface="Times New Roman"/>
+                <a:ea typeface="+mn-lt"/>
+                <a:cs typeface="+mn-lt"/>
+              </a:rPr>
+              <a:t>sinh</a:t>
+            </a:r>
+            <a:r>
+              <a:rPr lang="en-US" dirty="0">
+                <a:solidFill>
+                  <a:srgbClr val="373A3C"/>
+                </a:solidFill>
+                <a:latin typeface="Times New Roman"/>
+                <a:ea typeface="+mn-lt"/>
+                <a:cs typeface="+mn-lt"/>
+              </a:rPr>
+              <a:t> </a:t>
+            </a:r>
+            <a:r>
+              <a:rPr lang="en-US" dirty="0" err="1">
+                <a:solidFill>
+                  <a:srgbClr val="373A3C"/>
+                </a:solidFill>
+                <a:latin typeface="Times New Roman"/>
+                <a:ea typeface="+mn-lt"/>
+                <a:cs typeface="+mn-lt"/>
+              </a:rPr>
+              <a:t>đầu</a:t>
+            </a:r>
+            <a:r>
+              <a:rPr lang="en-US" dirty="0">
+                <a:solidFill>
+                  <a:srgbClr val="373A3C"/>
+                </a:solidFill>
+                <a:latin typeface="Times New Roman"/>
+                <a:ea typeface="+mn-lt"/>
+                <a:cs typeface="+mn-lt"/>
+              </a:rPr>
+              <a:t> </a:t>
+            </a:r>
+            <a:r>
+              <a:rPr lang="en-US" dirty="0" err="1">
+                <a:solidFill>
+                  <a:srgbClr val="373A3C"/>
+                </a:solidFill>
+                <a:latin typeface="Times New Roman"/>
+                <a:ea typeface="+mn-lt"/>
+                <a:cs typeface="+mn-lt"/>
+              </a:rPr>
+              <a:t>ra</a:t>
+            </a:r>
+            <a:r>
+              <a:rPr lang="en-US" dirty="0">
+                <a:solidFill>
+                  <a:srgbClr val="373A3C"/>
+                </a:solidFill>
+                <a:latin typeface="Times New Roman"/>
+                <a:ea typeface="+mn-lt"/>
+                <a:cs typeface="+mn-lt"/>
+              </a:rPr>
+              <a:t>).</a:t>
+            </a:r>
+            <a:endParaRPr lang="en-US" dirty="0">
               <a:latin typeface="Times New Roman"/>
               <a:ea typeface="Calibri"/>
               <a:cs typeface="Calibri"/>
@@ -35740,17 +36004,204 @@
               <a:buChar char="o"/>
             </a:pPr>
             <a:r>
-              <a:rPr lang="en-US">
-                <a:solidFill>
-                  <a:srgbClr val="373A3C"/>
-                </a:solidFill>
-                <a:latin typeface="Times New Roman"/>
-                <a:ea typeface="+mn-lt"/>
-                <a:cs typeface="+mn-lt"/>
-              </a:rPr>
-              <a:t>Sử dụng cơ chế Cross-Attention để Decoder tận dụng thông tin từ Encoder.</a:t>
-            </a:r>
-            <a:endParaRPr lang="vi-VN">
+              <a:rPr lang="en-US" dirty="0" err="1">
+                <a:solidFill>
+                  <a:srgbClr val="373A3C"/>
+                </a:solidFill>
+                <a:latin typeface="Times New Roman"/>
+                <a:ea typeface="+mn-lt"/>
+                <a:cs typeface="+mn-lt"/>
+              </a:rPr>
+              <a:t>Sử</a:t>
+            </a:r>
+            <a:r>
+              <a:rPr lang="en-US" dirty="0">
+                <a:solidFill>
+                  <a:srgbClr val="373A3C"/>
+                </a:solidFill>
+                <a:latin typeface="Times New Roman"/>
+                <a:ea typeface="+mn-lt"/>
+                <a:cs typeface="+mn-lt"/>
+              </a:rPr>
+              <a:t> </a:t>
+            </a:r>
+            <a:r>
+              <a:rPr lang="en-US" dirty="0" err="1">
+                <a:solidFill>
+                  <a:srgbClr val="373A3C"/>
+                </a:solidFill>
+                <a:latin typeface="Times New Roman"/>
+                <a:ea typeface="+mn-lt"/>
+                <a:cs typeface="+mn-lt"/>
+              </a:rPr>
+              <a:t>dụng</a:t>
+            </a:r>
+            <a:r>
+              <a:rPr lang="en-US" dirty="0">
+                <a:solidFill>
+                  <a:srgbClr val="373A3C"/>
+                </a:solidFill>
+                <a:latin typeface="Times New Roman"/>
+                <a:ea typeface="+mn-lt"/>
+                <a:cs typeface="+mn-lt"/>
+              </a:rPr>
+              <a:t> </a:t>
+            </a:r>
+            <a:r>
+              <a:rPr lang="en-US" dirty="0" err="1">
+                <a:solidFill>
+                  <a:srgbClr val="373A3C"/>
+                </a:solidFill>
+                <a:latin typeface="Times New Roman"/>
+                <a:ea typeface="+mn-lt"/>
+                <a:cs typeface="+mn-lt"/>
+              </a:rPr>
+              <a:t>cơ</a:t>
+            </a:r>
+            <a:r>
+              <a:rPr lang="en-US" dirty="0">
+                <a:solidFill>
+                  <a:srgbClr val="373A3C"/>
+                </a:solidFill>
+                <a:latin typeface="Times New Roman"/>
+                <a:ea typeface="+mn-lt"/>
+                <a:cs typeface="+mn-lt"/>
+              </a:rPr>
+              <a:t> </a:t>
+            </a:r>
+            <a:r>
+              <a:rPr lang="en-US" dirty="0" err="1">
+                <a:solidFill>
+                  <a:srgbClr val="373A3C"/>
+                </a:solidFill>
+                <a:latin typeface="Times New Roman"/>
+                <a:ea typeface="+mn-lt"/>
+                <a:cs typeface="+mn-lt"/>
+              </a:rPr>
+              <a:t>chế</a:t>
+            </a:r>
+            <a:r>
+              <a:rPr lang="en-US" dirty="0">
+                <a:solidFill>
+                  <a:srgbClr val="373A3C"/>
+                </a:solidFill>
+                <a:latin typeface="Times New Roman"/>
+                <a:ea typeface="+mn-lt"/>
+                <a:cs typeface="+mn-lt"/>
+              </a:rPr>
+              <a:t> Cross-Attention </a:t>
+            </a:r>
+            <a:r>
+              <a:rPr lang="en-US" dirty="0" err="1">
+                <a:solidFill>
+                  <a:srgbClr val="373A3C"/>
+                </a:solidFill>
+                <a:latin typeface="Times New Roman"/>
+                <a:ea typeface="+mn-lt"/>
+                <a:cs typeface="+mn-lt"/>
+              </a:rPr>
+              <a:t>để</a:t>
+            </a:r>
+            <a:r>
+              <a:rPr lang="en-US" dirty="0">
+                <a:solidFill>
+                  <a:srgbClr val="373A3C"/>
+                </a:solidFill>
+                <a:latin typeface="Times New Roman"/>
+                <a:ea typeface="+mn-lt"/>
+                <a:cs typeface="+mn-lt"/>
+              </a:rPr>
+              <a:t> Decoder </a:t>
+            </a:r>
+            <a:r>
+              <a:rPr lang="en-US" dirty="0" err="1">
+                <a:solidFill>
+                  <a:srgbClr val="373A3C"/>
+                </a:solidFill>
+                <a:latin typeface="Times New Roman"/>
+                <a:ea typeface="+mn-lt"/>
+                <a:cs typeface="+mn-lt"/>
+              </a:rPr>
+              <a:t>tận</a:t>
+            </a:r>
+            <a:r>
+              <a:rPr lang="en-US" dirty="0">
+                <a:solidFill>
+                  <a:srgbClr val="373A3C"/>
+                </a:solidFill>
+                <a:latin typeface="Times New Roman"/>
+                <a:ea typeface="+mn-lt"/>
+                <a:cs typeface="+mn-lt"/>
+              </a:rPr>
+              <a:t> </a:t>
+            </a:r>
+            <a:r>
+              <a:rPr lang="en-US" dirty="0" err="1">
+                <a:solidFill>
+                  <a:srgbClr val="373A3C"/>
+                </a:solidFill>
+                <a:latin typeface="Times New Roman"/>
+                <a:ea typeface="+mn-lt"/>
+                <a:cs typeface="+mn-lt"/>
+              </a:rPr>
+              <a:t>dụng</a:t>
+            </a:r>
+            <a:r>
+              <a:rPr lang="en-US" dirty="0">
+                <a:solidFill>
+                  <a:srgbClr val="373A3C"/>
+                </a:solidFill>
+                <a:latin typeface="Times New Roman"/>
+                <a:ea typeface="+mn-lt"/>
+                <a:cs typeface="+mn-lt"/>
+              </a:rPr>
+              <a:t> </a:t>
+            </a:r>
+            <a:r>
+              <a:rPr lang="en-US" dirty="0" err="1">
+                <a:solidFill>
+                  <a:srgbClr val="373A3C"/>
+                </a:solidFill>
+                <a:latin typeface="Times New Roman"/>
+                <a:ea typeface="+mn-lt"/>
+                <a:cs typeface="+mn-lt"/>
+              </a:rPr>
+              <a:t>thông</a:t>
+            </a:r>
+            <a:r>
+              <a:rPr lang="en-US" dirty="0">
+                <a:solidFill>
+                  <a:srgbClr val="373A3C"/>
+                </a:solidFill>
+                <a:latin typeface="Times New Roman"/>
+                <a:ea typeface="+mn-lt"/>
+                <a:cs typeface="+mn-lt"/>
+              </a:rPr>
+              <a:t> tin </a:t>
+            </a:r>
+            <a:r>
+              <a:rPr lang="en-US" dirty="0" err="1">
+                <a:solidFill>
+                  <a:srgbClr val="373A3C"/>
+                </a:solidFill>
+                <a:latin typeface="Times New Roman"/>
+                <a:ea typeface="+mn-lt"/>
+                <a:cs typeface="+mn-lt"/>
+              </a:rPr>
+              <a:t>từ</a:t>
+            </a:r>
+            <a:r>
+              <a:rPr lang="en-US" dirty="0">
+                <a:solidFill>
+                  <a:srgbClr val="373A3C"/>
+                </a:solidFill>
+                <a:latin typeface="Times New Roman"/>
+                <a:ea typeface="+mn-lt"/>
+                <a:cs typeface="+mn-lt"/>
+              </a:rPr>
+              <a:t> Encoder.</a:t>
+            </a:r>
+            <a:endParaRPr lang="vi-VN" dirty="0">
               <a:latin typeface="Times New Roman"/>
               <a:ea typeface="+mn-lt"/>
               <a:cs typeface="Arial"/>
@@ -35762,17 +36213,380 @@
               <a:buChar char="o"/>
             </a:pPr>
             <a:r>
-              <a:rPr lang="en-US">
-                <a:solidFill>
-                  <a:srgbClr val="373A3C"/>
-                </a:solidFill>
-                <a:latin typeface="Times New Roman"/>
-                <a:ea typeface="+mn-lt"/>
-                <a:cs typeface="+mn-lt"/>
-              </a:rPr>
-              <a:t>Phù hợp nhất với các tác vụ Sequence-to-Sequence (Seq2Seq): Dịch máy, Tóm tắt văn bản, Chuyển đổi văn bản.</a:t>
-            </a:r>
-            <a:endParaRPr lang="en-US">
+              <a:rPr lang="en-US" dirty="0" err="1">
+                <a:solidFill>
+                  <a:srgbClr val="373A3C"/>
+                </a:solidFill>
+                <a:latin typeface="Times New Roman"/>
+                <a:ea typeface="+mn-lt"/>
+                <a:cs typeface="+mn-lt"/>
+              </a:rPr>
+              <a:t>Phù</a:t>
+            </a:r>
+            <a:r>
+              <a:rPr lang="en-US" dirty="0">
+                <a:solidFill>
+                  <a:srgbClr val="373A3C"/>
+                </a:solidFill>
+                <a:latin typeface="Times New Roman"/>
+                <a:ea typeface="+mn-lt"/>
+                <a:cs typeface="+mn-lt"/>
+              </a:rPr>
+              <a:t> </a:t>
+            </a:r>
+            <a:r>
+              <a:rPr lang="en-US" dirty="0" err="1">
+                <a:solidFill>
+                  <a:srgbClr val="373A3C"/>
+                </a:solidFill>
+                <a:latin typeface="Times New Roman"/>
+                <a:ea typeface="+mn-lt"/>
+                <a:cs typeface="+mn-lt"/>
+              </a:rPr>
+              <a:t>hợp</a:t>
+            </a:r>
+            <a:r>
+              <a:rPr lang="en-US" dirty="0">
+                <a:solidFill>
+                  <a:srgbClr val="373A3C"/>
+                </a:solidFill>
+                <a:latin typeface="Times New Roman"/>
+                <a:ea typeface="+mn-lt"/>
+                <a:cs typeface="+mn-lt"/>
+              </a:rPr>
+              <a:t> </a:t>
+            </a:r>
+            <a:r>
+              <a:rPr lang="en-US" dirty="0" err="1">
+                <a:solidFill>
+                  <a:srgbClr val="373A3C"/>
+                </a:solidFill>
+                <a:latin typeface="Times New Roman"/>
+                <a:ea typeface="+mn-lt"/>
+                <a:cs typeface="+mn-lt"/>
+              </a:rPr>
+              <a:t>nhất</a:t>
+            </a:r>
+            <a:r>
+              <a:rPr lang="en-US" dirty="0">
+                <a:solidFill>
+                  <a:srgbClr val="373A3C"/>
+                </a:solidFill>
+                <a:latin typeface="Times New Roman"/>
+                <a:ea typeface="+mn-lt"/>
+                <a:cs typeface="+mn-lt"/>
+              </a:rPr>
+              <a:t> </a:t>
+            </a:r>
+            <a:r>
+              <a:rPr lang="en-US" dirty="0" err="1">
+                <a:solidFill>
+                  <a:srgbClr val="373A3C"/>
+                </a:solidFill>
+                <a:latin typeface="Times New Roman"/>
+                <a:ea typeface="+mn-lt"/>
+                <a:cs typeface="+mn-lt"/>
+              </a:rPr>
+              <a:t>với</a:t>
+            </a:r>
+            <a:r>
+              <a:rPr lang="en-US" dirty="0">
+                <a:solidFill>
+                  <a:srgbClr val="373A3C"/>
+                </a:solidFill>
+                <a:latin typeface="Times New Roman"/>
+                <a:ea typeface="+mn-lt"/>
+                <a:cs typeface="+mn-lt"/>
+              </a:rPr>
+              <a:t> </a:t>
+            </a:r>
+            <a:r>
+              <a:rPr lang="en-US" dirty="0" err="1">
+                <a:solidFill>
+                  <a:srgbClr val="373A3C"/>
+                </a:solidFill>
+                <a:latin typeface="Times New Roman"/>
+                <a:ea typeface="+mn-lt"/>
+                <a:cs typeface="+mn-lt"/>
+              </a:rPr>
+              <a:t>các</a:t>
+            </a:r>
+            <a:r>
+              <a:rPr lang="en-US" dirty="0">
+                <a:solidFill>
+                  <a:srgbClr val="373A3C"/>
+                </a:solidFill>
+                <a:latin typeface="Times New Roman"/>
+                <a:ea typeface="+mn-lt"/>
+                <a:cs typeface="+mn-lt"/>
+              </a:rPr>
+              <a:t> </a:t>
+            </a:r>
+            <a:r>
+              <a:rPr lang="en-US" dirty="0" err="1">
+                <a:solidFill>
+                  <a:srgbClr val="373A3C"/>
+                </a:solidFill>
+                <a:latin typeface="Times New Roman"/>
+                <a:ea typeface="+mn-lt"/>
+                <a:cs typeface="+mn-lt"/>
+              </a:rPr>
+              <a:t>tác</a:t>
+            </a:r>
+            <a:r>
+              <a:rPr lang="en-US" dirty="0">
+                <a:solidFill>
+                  <a:srgbClr val="373A3C"/>
+                </a:solidFill>
+                <a:latin typeface="Times New Roman"/>
+                <a:ea typeface="+mn-lt"/>
+                <a:cs typeface="+mn-lt"/>
+              </a:rPr>
+              <a:t> </a:t>
+            </a:r>
+            <a:r>
+              <a:rPr lang="en-US" dirty="0" err="1">
+                <a:solidFill>
+                  <a:srgbClr val="373A3C"/>
+                </a:solidFill>
+                <a:latin typeface="Times New Roman"/>
+                <a:ea typeface="+mn-lt"/>
+                <a:cs typeface="+mn-lt"/>
+              </a:rPr>
+              <a:t>vụ</a:t>
+            </a:r>
+            <a:r>
+              <a:rPr lang="en-US" dirty="0">
+                <a:solidFill>
+                  <a:srgbClr val="373A3C"/>
+                </a:solidFill>
+                <a:latin typeface="Times New Roman"/>
+                <a:ea typeface="+mn-lt"/>
+                <a:cs typeface="+mn-lt"/>
+              </a:rPr>
+              <a:t> Sequence-to-Sequence (Seq2Seq): </a:t>
+            </a:r>
+            <a:r>
+              <a:rPr lang="en-US" dirty="0" err="1">
+                <a:solidFill>
+                  <a:srgbClr val="373A3C"/>
+                </a:solidFill>
+                <a:latin typeface="Times New Roman"/>
+                <a:ea typeface="+mn-lt"/>
+                <a:cs typeface="+mn-lt"/>
+              </a:rPr>
+              <a:t>Dịch</a:t>
+            </a:r>
+            <a:r>
+              <a:rPr lang="en-US" dirty="0">
+                <a:solidFill>
+                  <a:srgbClr val="373A3C"/>
+                </a:solidFill>
+                <a:latin typeface="Times New Roman"/>
+                <a:ea typeface="+mn-lt"/>
+                <a:cs typeface="+mn-lt"/>
+              </a:rPr>
+              <a:t> </a:t>
+            </a:r>
+            <a:r>
+              <a:rPr lang="en-US" dirty="0" err="1">
+                <a:solidFill>
+                  <a:srgbClr val="373A3C"/>
+                </a:solidFill>
+                <a:latin typeface="Times New Roman"/>
+                <a:ea typeface="+mn-lt"/>
+                <a:cs typeface="+mn-lt"/>
+              </a:rPr>
+              <a:t>máy</a:t>
+            </a:r>
+            <a:r>
+              <a:rPr lang="en-US" dirty="0">
+                <a:solidFill>
+                  <a:srgbClr val="373A3C"/>
+                </a:solidFill>
+                <a:latin typeface="Times New Roman"/>
+                <a:ea typeface="+mn-lt"/>
+                <a:cs typeface="+mn-lt"/>
+              </a:rPr>
+              <a:t>, </a:t>
+            </a:r>
+            <a:r>
+              <a:rPr lang="en-US" dirty="0" err="1">
+                <a:solidFill>
+                  <a:srgbClr val="373A3C"/>
+                </a:solidFill>
+                <a:latin typeface="Times New Roman"/>
+                <a:ea typeface="+mn-lt"/>
+                <a:cs typeface="+mn-lt"/>
+              </a:rPr>
+              <a:t>Tóm</a:t>
+            </a:r>
+            <a:r>
+              <a:rPr lang="en-US" dirty="0">
+                <a:solidFill>
+                  <a:srgbClr val="373A3C"/>
+                </a:solidFill>
+                <a:latin typeface="Times New Roman"/>
+                <a:ea typeface="+mn-lt"/>
+                <a:cs typeface="+mn-lt"/>
+              </a:rPr>
+              <a:t> </a:t>
+            </a:r>
+            <a:r>
+              <a:rPr lang="en-US" dirty="0" err="1">
+                <a:solidFill>
+                  <a:srgbClr val="373A3C"/>
+                </a:solidFill>
+                <a:latin typeface="Times New Roman"/>
+                <a:ea typeface="+mn-lt"/>
+                <a:cs typeface="+mn-lt"/>
+              </a:rPr>
+              <a:t>tắt</a:t>
+            </a:r>
+            <a:r>
+              <a:rPr lang="en-US" dirty="0">
+                <a:solidFill>
+                  <a:srgbClr val="373A3C"/>
+                </a:solidFill>
+                <a:latin typeface="Times New Roman"/>
+                <a:ea typeface="+mn-lt"/>
+                <a:cs typeface="+mn-lt"/>
+              </a:rPr>
+              <a:t> </a:t>
+            </a:r>
+            <a:r>
+              <a:rPr lang="en-US" dirty="0" err="1">
+                <a:solidFill>
+                  <a:srgbClr val="373A3C"/>
+                </a:solidFill>
+                <a:latin typeface="Times New Roman"/>
+                <a:ea typeface="+mn-lt"/>
+                <a:cs typeface="+mn-lt"/>
+              </a:rPr>
+              <a:t>văn</a:t>
+            </a:r>
+            <a:r>
+              <a:rPr lang="en-US" dirty="0">
+                <a:solidFill>
+                  <a:srgbClr val="373A3C"/>
+                </a:solidFill>
+                <a:latin typeface="Times New Roman"/>
+                <a:ea typeface="+mn-lt"/>
+                <a:cs typeface="+mn-lt"/>
+              </a:rPr>
+              <a:t> </a:t>
+            </a:r>
+            <a:r>
+              <a:rPr lang="en-US" dirty="0" err="1">
+                <a:solidFill>
+                  <a:srgbClr val="373A3C"/>
+                </a:solidFill>
+                <a:latin typeface="Times New Roman"/>
+                <a:ea typeface="+mn-lt"/>
+                <a:cs typeface="+mn-lt"/>
+              </a:rPr>
+              <a:t>bản</a:t>
+            </a:r>
+            <a:r>
+              <a:rPr lang="en-US" dirty="0">
+                <a:solidFill>
+                  <a:srgbClr val="373A3C"/>
+                </a:solidFill>
+                <a:latin typeface="Times New Roman"/>
+                <a:ea typeface="+mn-lt"/>
+                <a:cs typeface="+mn-lt"/>
+              </a:rPr>
+              <a:t>, </a:t>
+            </a:r>
+            <a:r>
+              <a:rPr lang="en-US" dirty="0" err="1">
+                <a:solidFill>
+                  <a:srgbClr val="373A3C"/>
+                </a:solidFill>
+                <a:latin typeface="Times New Roman"/>
+                <a:ea typeface="+mn-lt"/>
+                <a:cs typeface="+mn-lt"/>
+              </a:rPr>
+              <a:t>Chuyển</a:t>
+            </a:r>
+            <a:r>
+              <a:rPr lang="en-US" dirty="0">
+                <a:solidFill>
+                  <a:srgbClr val="373A3C"/>
+                </a:solidFill>
+                <a:latin typeface="Times New Roman"/>
+                <a:ea typeface="+mn-lt"/>
+                <a:cs typeface="+mn-lt"/>
+              </a:rPr>
+              <a:t> </a:t>
+            </a:r>
+            <a:r>
+              <a:rPr lang="en-US" dirty="0" err="1">
+                <a:solidFill>
+                  <a:srgbClr val="373A3C"/>
+                </a:solidFill>
+                <a:latin typeface="Times New Roman"/>
+                <a:ea typeface="+mn-lt"/>
+                <a:cs typeface="+mn-lt"/>
+              </a:rPr>
+              <a:t>đổi</a:t>
+            </a:r>
+            <a:r>
+              <a:rPr lang="en-US" dirty="0">
+                <a:solidFill>
+                  <a:srgbClr val="373A3C"/>
+                </a:solidFill>
+                <a:latin typeface="Times New Roman"/>
+                <a:ea typeface="+mn-lt"/>
+                <a:cs typeface="+mn-lt"/>
+              </a:rPr>
+              <a:t> </a:t>
+            </a:r>
+            <a:r>
+              <a:rPr lang="en-US" dirty="0" err="1">
+                <a:solidFill>
+                  <a:srgbClr val="373A3C"/>
+                </a:solidFill>
+                <a:latin typeface="Times New Roman"/>
+                <a:ea typeface="+mn-lt"/>
+                <a:cs typeface="+mn-lt"/>
+              </a:rPr>
+              <a:t>văn</a:t>
+            </a:r>
+            <a:r>
+              <a:rPr lang="en-US" dirty="0">
+                <a:solidFill>
+                  <a:srgbClr val="373A3C"/>
+                </a:solidFill>
+                <a:latin typeface="Times New Roman"/>
+                <a:ea typeface="+mn-lt"/>
+                <a:cs typeface="+mn-lt"/>
+              </a:rPr>
+              <a:t> </a:t>
+            </a:r>
+            <a:r>
+              <a:rPr lang="en-US" dirty="0" err="1">
+                <a:solidFill>
+                  <a:srgbClr val="373A3C"/>
+                </a:solidFill>
+                <a:latin typeface="Times New Roman"/>
+                <a:ea typeface="+mn-lt"/>
+                <a:cs typeface="+mn-lt"/>
+              </a:rPr>
+              <a:t>bản</a:t>
+            </a:r>
+            <a:r>
+              <a:rPr lang="en-US" dirty="0">
+                <a:solidFill>
+                  <a:srgbClr val="373A3C"/>
+                </a:solidFill>
+                <a:latin typeface="Times New Roman"/>
+                <a:ea typeface="+mn-lt"/>
+                <a:cs typeface="+mn-lt"/>
+              </a:rPr>
+              <a:t>.</a:t>
+            </a:r>
+            <a:endParaRPr lang="en-US" dirty="0">
               <a:latin typeface="Times New Roman"/>
               <a:ea typeface="Calibri"/>
               <a:cs typeface="Calibri"/>
@@ -35784,17 +36598,94 @@
               <a:buChar char="•"/>
             </a:pPr>
             <a:r>
-              <a:rPr lang="en-US" b="1">
-                <a:solidFill>
-                  <a:srgbClr val="373A3C"/>
-                </a:solidFill>
-                <a:latin typeface="Times New Roman"/>
-                <a:ea typeface="+mn-lt"/>
-                <a:cs typeface="+mn-lt"/>
-              </a:rPr>
-              <a:t>Lựa chọn mô hình:</a:t>
-            </a:r>
-            <a:endParaRPr lang="en-US">
+              <a:rPr lang="en-US" b="1" dirty="0" err="1">
+                <a:solidFill>
+                  <a:srgbClr val="373A3C"/>
+                </a:solidFill>
+                <a:latin typeface="Times New Roman"/>
+                <a:ea typeface="+mn-lt"/>
+                <a:cs typeface="+mn-lt"/>
+              </a:rPr>
+              <a:t>Lựa</a:t>
+            </a:r>
+            <a:r>
+              <a:rPr lang="en-US" b="1" dirty="0">
+                <a:solidFill>
+                  <a:srgbClr val="373A3C"/>
+                </a:solidFill>
+                <a:latin typeface="Times New Roman"/>
+                <a:ea typeface="+mn-lt"/>
+                <a:cs typeface="+mn-lt"/>
+              </a:rPr>
+              <a:t> </a:t>
+            </a:r>
+            <a:r>
+              <a:rPr lang="en-US" b="1" dirty="0" err="1">
+                <a:solidFill>
+                  <a:srgbClr val="373A3C"/>
+                </a:solidFill>
+                <a:latin typeface="Times New Roman"/>
+                <a:ea typeface="+mn-lt"/>
+                <a:cs typeface="+mn-lt"/>
+              </a:rPr>
+              <a:t>chọn</a:t>
+            </a:r>
+            <a:r>
+              <a:rPr lang="en-US" b="1" dirty="0">
+                <a:solidFill>
+                  <a:srgbClr val="373A3C"/>
+                </a:solidFill>
+                <a:latin typeface="Times New Roman"/>
+                <a:ea typeface="+mn-lt"/>
+                <a:cs typeface="+mn-lt"/>
+              </a:rPr>
+              <a:t> </a:t>
+            </a:r>
+            <a:r>
+              <a:rPr lang="en-US" b="1" dirty="0" err="1">
+                <a:solidFill>
+                  <a:srgbClr val="373A3C"/>
+                </a:solidFill>
+                <a:latin typeface="Times New Roman"/>
+                <a:ea typeface="+mn-lt"/>
+                <a:cs typeface="+mn-lt"/>
+              </a:rPr>
+              <a:t>mô</a:t>
+            </a:r>
+            <a:r>
+              <a:rPr lang="en-US" b="1" dirty="0">
+                <a:solidFill>
+                  <a:srgbClr val="373A3C"/>
+                </a:solidFill>
+                <a:latin typeface="Times New Roman"/>
+                <a:ea typeface="+mn-lt"/>
+                <a:cs typeface="+mn-lt"/>
+              </a:rPr>
+              <a:t> </a:t>
+            </a:r>
+            <a:r>
+              <a:rPr lang="en-US" b="1" dirty="0" err="1">
+                <a:solidFill>
+                  <a:srgbClr val="373A3C"/>
+                </a:solidFill>
+                <a:latin typeface="Times New Roman"/>
+                <a:ea typeface="+mn-lt"/>
+                <a:cs typeface="+mn-lt"/>
+              </a:rPr>
+              <a:t>hình</a:t>
+            </a:r>
+            <a:r>
+              <a:rPr lang="en-US" b="1" dirty="0">
+                <a:solidFill>
+                  <a:srgbClr val="373A3C"/>
+                </a:solidFill>
+                <a:latin typeface="Times New Roman"/>
+                <a:ea typeface="+mn-lt"/>
+                <a:cs typeface="+mn-lt"/>
+              </a:rPr>
+              <a:t>:</a:t>
+            </a:r>
+            <a:endParaRPr lang="en-US" dirty="0">
               <a:latin typeface="Times New Roman"/>
               <a:ea typeface="+mn-lt"/>
               <a:cs typeface="+mn-lt"/>
@@ -35806,18 +36697,51 @@
               <a:buChar char="o"/>
             </a:pPr>
             <a:r>
-              <a:rPr lang="en-US" b="1">
-                <a:solidFill>
-                  <a:srgbClr val="373A3C"/>
-                </a:solidFill>
-                <a:latin typeface="Times New Roman"/>
-                <a:ea typeface="+mn-lt"/>
-                <a:cs typeface="+mn-lt"/>
-              </a:rPr>
-              <a:t>Mô hình:</a:t>
-            </a:r>
-            <a:r>
-              <a:rPr lang="en-US">
+              <a:rPr lang="en-US" b="1" dirty="0" err="1">
+                <a:solidFill>
+                  <a:srgbClr val="373A3C"/>
+                </a:solidFill>
+                <a:latin typeface="Times New Roman"/>
+                <a:ea typeface="+mn-lt"/>
+                <a:cs typeface="+mn-lt"/>
+              </a:rPr>
+              <a:t>Mô</a:t>
+            </a:r>
+            <a:r>
+              <a:rPr lang="en-US" b="1" dirty="0">
+                <a:solidFill>
+                  <a:srgbClr val="373A3C"/>
+                </a:solidFill>
+                <a:latin typeface="Times New Roman"/>
+                <a:ea typeface="+mn-lt"/>
+                <a:cs typeface="+mn-lt"/>
+              </a:rPr>
+              <a:t> </a:t>
+            </a:r>
+            <a:r>
+              <a:rPr lang="en-US" b="1" dirty="0" err="1">
+                <a:solidFill>
+                  <a:srgbClr val="373A3C"/>
+                </a:solidFill>
+                <a:latin typeface="Times New Roman"/>
+                <a:ea typeface="+mn-lt"/>
+                <a:cs typeface="+mn-lt"/>
+              </a:rPr>
+              <a:t>hình</a:t>
+            </a:r>
+            <a:r>
+              <a:rPr lang="en-US" b="1" dirty="0">
+                <a:solidFill>
+                  <a:srgbClr val="373A3C"/>
+                </a:solidFill>
+                <a:latin typeface="Times New Roman"/>
+                <a:ea typeface="+mn-lt"/>
+                <a:cs typeface="+mn-lt"/>
+              </a:rPr>
+              <a:t>:</a:t>
+            </a:r>
+            <a:r>
+              <a:rPr lang="en-US" dirty="0">
                 <a:solidFill>
                   <a:srgbClr val="373A3C"/>
                 </a:solidFill>
@@ -35827,7 +36751,7 @@
               </a:rPr>
               <a:t> ViT5 (Vietnamese Text-to-Text Transfer Transformer).</a:t>
             </a:r>
-            <a:endParaRPr lang="en-US">
+            <a:endParaRPr lang="en-US" dirty="0">
               <a:latin typeface="Times New Roman"/>
               <a:ea typeface="+mn-lt"/>
               <a:cs typeface="+mn-lt"/>
@@ -35839,7 +36763,7 @@
               <a:buChar char="o"/>
             </a:pPr>
             <a:r>
-              <a:rPr lang="en-US" b="1">
+              <a:rPr lang="en-US" b="1" dirty="0">
                 <a:solidFill>
                   <a:srgbClr val="373A3C"/>
                 </a:solidFill>
@@ -35850,17 +36774,347 @@
               <a:t>Lý do:</a:t>
             </a:r>
             <a:r>
-              <a:rPr lang="en-US">
-                <a:solidFill>
-                  <a:srgbClr val="373A3C"/>
-                </a:solidFill>
-                <a:latin typeface="Times New Roman"/>
-                <a:ea typeface="+mn-lt"/>
-                <a:cs typeface="+mn-lt"/>
-              </a:rPr>
-              <a:t> Được huấn luyện trên ngữ liệu tiếng Việt lớn, tương thích tốt với dạng bài toán text-to-text.</a:t>
-            </a:r>
-            <a:endParaRPr lang="en-US">
+              <a:rPr lang="en-US" dirty="0">
+                <a:solidFill>
+                  <a:srgbClr val="373A3C"/>
+                </a:solidFill>
+                <a:latin typeface="Times New Roman"/>
+                <a:ea typeface="+mn-lt"/>
+                <a:cs typeface="+mn-lt"/>
+              </a:rPr>
+              <a:t> </a:t>
+            </a:r>
+            <a:r>
+              <a:rPr lang="en-US" dirty="0" err="1">
+                <a:solidFill>
+                  <a:srgbClr val="373A3C"/>
+                </a:solidFill>
+                <a:latin typeface="Times New Roman"/>
+                <a:ea typeface="+mn-lt"/>
+                <a:cs typeface="+mn-lt"/>
+              </a:rPr>
+              <a:t>Được</a:t>
+            </a:r>
+            <a:r>
+              <a:rPr lang="en-US" dirty="0">
+                <a:solidFill>
+                  <a:srgbClr val="373A3C"/>
+                </a:solidFill>
+                <a:latin typeface="Times New Roman"/>
+                <a:ea typeface="+mn-lt"/>
+                <a:cs typeface="+mn-lt"/>
+              </a:rPr>
+              <a:t> </a:t>
+            </a:r>
+            <a:r>
+              <a:rPr lang="en-US" dirty="0" err="1">
+                <a:solidFill>
+                  <a:srgbClr val="373A3C"/>
+                </a:solidFill>
+                <a:latin typeface="Times New Roman"/>
+                <a:ea typeface="+mn-lt"/>
+                <a:cs typeface="+mn-lt"/>
+              </a:rPr>
+              <a:t>huấn</a:t>
+            </a:r>
+            <a:r>
+              <a:rPr lang="en-US" dirty="0">
+                <a:solidFill>
+                  <a:srgbClr val="373A3C"/>
+                </a:solidFill>
+                <a:latin typeface="Times New Roman"/>
+                <a:ea typeface="+mn-lt"/>
+                <a:cs typeface="+mn-lt"/>
+              </a:rPr>
+              <a:t> </a:t>
+            </a:r>
+            <a:r>
+              <a:rPr lang="en-US" dirty="0" err="1">
+                <a:solidFill>
+                  <a:srgbClr val="373A3C"/>
+                </a:solidFill>
+                <a:latin typeface="Times New Roman"/>
+                <a:ea typeface="+mn-lt"/>
+                <a:cs typeface="+mn-lt"/>
+              </a:rPr>
+              <a:t>luyện</a:t>
+            </a:r>
+            <a:r>
+              <a:rPr lang="en-US" dirty="0">
+                <a:solidFill>
+                  <a:srgbClr val="373A3C"/>
+                </a:solidFill>
+                <a:latin typeface="Times New Roman"/>
+                <a:ea typeface="+mn-lt"/>
+                <a:cs typeface="+mn-lt"/>
+              </a:rPr>
+              <a:t> </a:t>
+            </a:r>
+            <a:r>
+              <a:rPr lang="en-US" dirty="0" err="1">
+                <a:solidFill>
+                  <a:srgbClr val="373A3C"/>
+                </a:solidFill>
+                <a:latin typeface="Times New Roman"/>
+                <a:ea typeface="+mn-lt"/>
+                <a:cs typeface="+mn-lt"/>
+              </a:rPr>
+              <a:t>trên</a:t>
+            </a:r>
+            <a:r>
+              <a:rPr lang="en-US" dirty="0">
+                <a:solidFill>
+                  <a:srgbClr val="373A3C"/>
+                </a:solidFill>
+                <a:latin typeface="Times New Roman"/>
+                <a:ea typeface="+mn-lt"/>
+                <a:cs typeface="+mn-lt"/>
+              </a:rPr>
+              <a:t> </a:t>
+            </a:r>
+            <a:r>
+              <a:rPr lang="en-US" dirty="0" err="1">
+                <a:solidFill>
+                  <a:srgbClr val="373A3C"/>
+                </a:solidFill>
+                <a:latin typeface="Times New Roman"/>
+                <a:ea typeface="+mn-lt"/>
+                <a:cs typeface="+mn-lt"/>
+              </a:rPr>
+              <a:t>ngữ</a:t>
+            </a:r>
+            <a:r>
+              <a:rPr lang="en-US" dirty="0">
+                <a:solidFill>
+                  <a:srgbClr val="373A3C"/>
+                </a:solidFill>
+                <a:latin typeface="Times New Roman"/>
+                <a:ea typeface="+mn-lt"/>
+                <a:cs typeface="+mn-lt"/>
+              </a:rPr>
+              <a:t> </a:t>
+            </a:r>
+            <a:r>
+              <a:rPr lang="en-US" dirty="0" err="1">
+                <a:solidFill>
+                  <a:srgbClr val="373A3C"/>
+                </a:solidFill>
+                <a:latin typeface="Times New Roman"/>
+                <a:ea typeface="+mn-lt"/>
+                <a:cs typeface="+mn-lt"/>
+              </a:rPr>
+              <a:t>liệu</a:t>
+            </a:r>
+            <a:r>
+              <a:rPr lang="en-US" dirty="0">
+                <a:solidFill>
+                  <a:srgbClr val="373A3C"/>
+                </a:solidFill>
+                <a:latin typeface="Times New Roman"/>
+                <a:ea typeface="+mn-lt"/>
+                <a:cs typeface="+mn-lt"/>
+              </a:rPr>
+              <a:t> </a:t>
+            </a:r>
+            <a:r>
+              <a:rPr lang="en-US" dirty="0" err="1">
+                <a:solidFill>
+                  <a:srgbClr val="373A3C"/>
+                </a:solidFill>
+                <a:latin typeface="Times New Roman"/>
+                <a:ea typeface="+mn-lt"/>
+                <a:cs typeface="+mn-lt"/>
+              </a:rPr>
+              <a:t>tiếng</a:t>
+            </a:r>
+            <a:r>
+              <a:rPr lang="en-US" dirty="0">
+                <a:solidFill>
+                  <a:srgbClr val="373A3C"/>
+                </a:solidFill>
+                <a:latin typeface="Times New Roman"/>
+                <a:ea typeface="+mn-lt"/>
+                <a:cs typeface="+mn-lt"/>
+              </a:rPr>
+              <a:t> Việt </a:t>
+            </a:r>
+            <a:r>
+              <a:rPr lang="en-US" dirty="0" err="1">
+                <a:solidFill>
+                  <a:srgbClr val="373A3C"/>
+                </a:solidFill>
+                <a:latin typeface="Times New Roman"/>
+                <a:ea typeface="+mn-lt"/>
+                <a:cs typeface="+mn-lt"/>
+              </a:rPr>
+              <a:t>lớn</a:t>
+            </a:r>
+            <a:r>
+              <a:rPr lang="en-US" dirty="0">
+                <a:solidFill>
+                  <a:srgbClr val="373A3C"/>
+                </a:solidFill>
+                <a:latin typeface="Times New Roman"/>
+                <a:ea typeface="+mn-lt"/>
+                <a:cs typeface="+mn-lt"/>
+              </a:rPr>
+              <a:t>, </a:t>
+            </a:r>
+            <a:r>
+              <a:rPr lang="en-US" dirty="0" err="1">
+                <a:solidFill>
+                  <a:srgbClr val="373A3C"/>
+                </a:solidFill>
+                <a:latin typeface="Times New Roman"/>
+                <a:ea typeface="+mn-lt"/>
+                <a:cs typeface="+mn-lt"/>
+              </a:rPr>
+              <a:t>tương</a:t>
+            </a:r>
+            <a:r>
+              <a:rPr lang="en-US" dirty="0">
+                <a:solidFill>
+                  <a:srgbClr val="373A3C"/>
+                </a:solidFill>
+                <a:latin typeface="Times New Roman"/>
+                <a:ea typeface="+mn-lt"/>
+                <a:cs typeface="+mn-lt"/>
+              </a:rPr>
+              <a:t> </a:t>
+            </a:r>
+            <a:r>
+              <a:rPr lang="en-US" dirty="0" err="1">
+                <a:solidFill>
+                  <a:srgbClr val="373A3C"/>
+                </a:solidFill>
+                <a:latin typeface="Times New Roman"/>
+                <a:ea typeface="+mn-lt"/>
+                <a:cs typeface="+mn-lt"/>
+              </a:rPr>
+              <a:t>thích</a:t>
+            </a:r>
+            <a:r>
+              <a:rPr lang="en-US" dirty="0">
+                <a:solidFill>
+                  <a:srgbClr val="373A3C"/>
+                </a:solidFill>
+                <a:latin typeface="Times New Roman"/>
+                <a:ea typeface="+mn-lt"/>
+                <a:cs typeface="+mn-lt"/>
+              </a:rPr>
+              <a:t> </a:t>
+            </a:r>
+            <a:r>
+              <a:rPr lang="en-US" dirty="0" err="1">
+                <a:solidFill>
+                  <a:srgbClr val="373A3C"/>
+                </a:solidFill>
+                <a:latin typeface="Times New Roman"/>
+                <a:ea typeface="+mn-lt"/>
+                <a:cs typeface="+mn-lt"/>
+              </a:rPr>
+              <a:t>tốt</a:t>
+            </a:r>
+            <a:r>
+              <a:rPr lang="en-US" dirty="0">
+                <a:solidFill>
+                  <a:srgbClr val="373A3C"/>
+                </a:solidFill>
+                <a:latin typeface="Times New Roman"/>
+                <a:ea typeface="+mn-lt"/>
+                <a:cs typeface="+mn-lt"/>
+              </a:rPr>
+              <a:t> </a:t>
+            </a:r>
+            <a:r>
+              <a:rPr lang="en-US" dirty="0" err="1">
+                <a:solidFill>
+                  <a:srgbClr val="373A3C"/>
+                </a:solidFill>
+                <a:latin typeface="Times New Roman"/>
+                <a:ea typeface="+mn-lt"/>
+                <a:cs typeface="+mn-lt"/>
+              </a:rPr>
+              <a:t>với</a:t>
+            </a:r>
+            <a:r>
+              <a:rPr lang="en-US" dirty="0">
+                <a:solidFill>
+                  <a:srgbClr val="373A3C"/>
+                </a:solidFill>
+                <a:latin typeface="Times New Roman"/>
+                <a:ea typeface="+mn-lt"/>
+                <a:cs typeface="+mn-lt"/>
+              </a:rPr>
+              <a:t> </a:t>
+            </a:r>
+            <a:r>
+              <a:rPr lang="en-US" dirty="0" err="1">
+                <a:solidFill>
+                  <a:srgbClr val="373A3C"/>
+                </a:solidFill>
+                <a:latin typeface="Times New Roman"/>
+                <a:ea typeface="+mn-lt"/>
+                <a:cs typeface="+mn-lt"/>
+              </a:rPr>
+              <a:t>dạng</a:t>
+            </a:r>
+            <a:r>
+              <a:rPr lang="en-US" dirty="0">
+                <a:solidFill>
+                  <a:srgbClr val="373A3C"/>
+                </a:solidFill>
+                <a:latin typeface="Times New Roman"/>
+                <a:ea typeface="+mn-lt"/>
+                <a:cs typeface="+mn-lt"/>
+              </a:rPr>
+              <a:t> </a:t>
+            </a:r>
+            <a:r>
+              <a:rPr lang="en-US" dirty="0" err="1">
+                <a:solidFill>
+                  <a:srgbClr val="373A3C"/>
+                </a:solidFill>
+                <a:latin typeface="Times New Roman"/>
+                <a:ea typeface="+mn-lt"/>
+                <a:cs typeface="+mn-lt"/>
+              </a:rPr>
+              <a:t>bài</a:t>
+            </a:r>
+            <a:r>
+              <a:rPr lang="en-US" dirty="0">
+                <a:solidFill>
+                  <a:srgbClr val="373A3C"/>
+                </a:solidFill>
+                <a:latin typeface="Times New Roman"/>
+                <a:ea typeface="+mn-lt"/>
+                <a:cs typeface="+mn-lt"/>
+              </a:rPr>
+              <a:t> </a:t>
+            </a:r>
+            <a:r>
+              <a:rPr lang="en-US" dirty="0" err="1">
+                <a:solidFill>
+                  <a:srgbClr val="373A3C"/>
+                </a:solidFill>
+                <a:latin typeface="Times New Roman"/>
+                <a:ea typeface="+mn-lt"/>
+                <a:cs typeface="+mn-lt"/>
+              </a:rPr>
+              <a:t>toán</a:t>
+            </a:r>
+            <a:r>
+              <a:rPr lang="en-US" dirty="0">
+                <a:solidFill>
+                  <a:srgbClr val="373A3C"/>
+                </a:solidFill>
+                <a:latin typeface="Times New Roman"/>
+                <a:ea typeface="+mn-lt"/>
+                <a:cs typeface="+mn-lt"/>
+              </a:rPr>
+              <a:t> text-to-text.</a:t>
+            </a:r>
+            <a:endParaRPr lang="en-US" dirty="0">
               <a:latin typeface="Times New Roman"/>
               <a:ea typeface="Calibri"/>
               <a:cs typeface="Calibri"/>
@@ -35872,28 +37126,391 @@
               <a:buChar char="o"/>
             </a:pPr>
             <a:r>
-              <a:rPr lang="en-US" b="1">
-                <a:solidFill>
-                  <a:srgbClr val="373A3C"/>
-                </a:solidFill>
-                <a:latin typeface="Times New Roman"/>
-                <a:ea typeface="+mn-lt"/>
-                <a:cs typeface="+mn-lt"/>
-              </a:rPr>
-              <a:t>Cách tiếp cận:</a:t>
-            </a:r>
-            <a:r>
-              <a:rPr lang="en-US">
-                <a:solidFill>
-                  <a:srgbClr val="373A3C"/>
-                </a:solidFill>
-                <a:latin typeface="Times New Roman"/>
-                <a:ea typeface="+mn-lt"/>
-                <a:cs typeface="+mn-lt"/>
-              </a:rPr>
-              <a:t> Đưa bài toán phân loại về dạng sinh văn bản (Input: câu bình luận $\to$ Output: text nhãn "positive", "negative", "neutral").</a:t>
-            </a:r>
-            <a:endParaRPr lang="en-US">
+              <a:rPr lang="en-US" b="1" dirty="0" err="1">
+                <a:solidFill>
+                  <a:srgbClr val="373A3C"/>
+                </a:solidFill>
+                <a:latin typeface="Times New Roman"/>
+                <a:ea typeface="+mn-lt"/>
+                <a:cs typeface="+mn-lt"/>
+              </a:rPr>
+              <a:t>Cách</a:t>
+            </a:r>
+            <a:r>
+              <a:rPr lang="en-US" b="1" dirty="0">
+                <a:solidFill>
+                  <a:srgbClr val="373A3C"/>
+                </a:solidFill>
+                <a:latin typeface="Times New Roman"/>
+                <a:ea typeface="+mn-lt"/>
+                <a:cs typeface="+mn-lt"/>
+              </a:rPr>
+              <a:t> </a:t>
+            </a:r>
+            <a:r>
+              <a:rPr lang="en-US" b="1" dirty="0" err="1">
+                <a:solidFill>
+                  <a:srgbClr val="373A3C"/>
+                </a:solidFill>
+                <a:latin typeface="Times New Roman"/>
+                <a:ea typeface="+mn-lt"/>
+                <a:cs typeface="+mn-lt"/>
+              </a:rPr>
+              <a:t>tiếp</a:t>
+            </a:r>
+            <a:r>
+              <a:rPr lang="en-US" b="1" dirty="0">
+                <a:solidFill>
+                  <a:srgbClr val="373A3C"/>
+                </a:solidFill>
+                <a:latin typeface="Times New Roman"/>
+                <a:ea typeface="+mn-lt"/>
+                <a:cs typeface="+mn-lt"/>
+              </a:rPr>
+              <a:t> </a:t>
+            </a:r>
+            <a:r>
+              <a:rPr lang="en-US" b="1" dirty="0" err="1">
+                <a:solidFill>
+                  <a:srgbClr val="373A3C"/>
+                </a:solidFill>
+                <a:latin typeface="Times New Roman"/>
+                <a:ea typeface="+mn-lt"/>
+                <a:cs typeface="+mn-lt"/>
+              </a:rPr>
+              <a:t>cận</a:t>
+            </a:r>
+            <a:r>
+              <a:rPr lang="en-US" b="1" dirty="0">
+                <a:solidFill>
+                  <a:srgbClr val="373A3C"/>
+                </a:solidFill>
+                <a:latin typeface="Times New Roman"/>
+                <a:ea typeface="+mn-lt"/>
+                <a:cs typeface="+mn-lt"/>
+              </a:rPr>
+              <a:t>:</a:t>
+            </a:r>
+            <a:r>
+              <a:rPr lang="en-US" dirty="0">
+                <a:solidFill>
+                  <a:srgbClr val="373A3C"/>
+                </a:solidFill>
+                <a:latin typeface="Times New Roman"/>
+                <a:ea typeface="+mn-lt"/>
+                <a:cs typeface="+mn-lt"/>
+              </a:rPr>
+              <a:t> </a:t>
+            </a:r>
+            <a:r>
+              <a:rPr lang="en-US" dirty="0" err="1">
+                <a:solidFill>
+                  <a:srgbClr val="373A3C"/>
+                </a:solidFill>
+                <a:latin typeface="Times New Roman"/>
+                <a:ea typeface="+mn-lt"/>
+                <a:cs typeface="+mn-lt"/>
+              </a:rPr>
+              <a:t>Đưa</a:t>
+            </a:r>
+            <a:r>
+              <a:rPr lang="en-US" dirty="0">
+                <a:solidFill>
+                  <a:srgbClr val="373A3C"/>
+                </a:solidFill>
+                <a:latin typeface="Times New Roman"/>
+                <a:ea typeface="+mn-lt"/>
+                <a:cs typeface="+mn-lt"/>
+              </a:rPr>
+              <a:t> </a:t>
+            </a:r>
+            <a:r>
+              <a:rPr lang="en-US" dirty="0" err="1">
+                <a:solidFill>
+                  <a:srgbClr val="373A3C"/>
+                </a:solidFill>
+                <a:latin typeface="Times New Roman"/>
+                <a:ea typeface="+mn-lt"/>
+                <a:cs typeface="+mn-lt"/>
+              </a:rPr>
+              <a:t>bài</a:t>
+            </a:r>
+            <a:r>
+              <a:rPr lang="en-US" dirty="0">
+                <a:solidFill>
+                  <a:srgbClr val="373A3C"/>
+                </a:solidFill>
+                <a:latin typeface="Times New Roman"/>
+                <a:ea typeface="+mn-lt"/>
+                <a:cs typeface="+mn-lt"/>
+              </a:rPr>
+              <a:t> </a:t>
+            </a:r>
+            <a:r>
+              <a:rPr lang="en-US" dirty="0" err="1">
+                <a:solidFill>
+                  <a:srgbClr val="373A3C"/>
+                </a:solidFill>
+                <a:latin typeface="Times New Roman"/>
+                <a:ea typeface="+mn-lt"/>
+                <a:cs typeface="+mn-lt"/>
+              </a:rPr>
+              <a:t>toán</a:t>
+            </a:r>
+            <a:r>
+              <a:rPr lang="en-US" dirty="0">
+                <a:solidFill>
+                  <a:srgbClr val="373A3C"/>
+                </a:solidFill>
+                <a:latin typeface="Times New Roman"/>
+                <a:ea typeface="+mn-lt"/>
+                <a:cs typeface="+mn-lt"/>
+              </a:rPr>
+              <a:t> </a:t>
+            </a:r>
+            <a:r>
+              <a:rPr lang="en-US" dirty="0" err="1">
+                <a:solidFill>
+                  <a:srgbClr val="373A3C"/>
+                </a:solidFill>
+                <a:latin typeface="Times New Roman"/>
+                <a:ea typeface="+mn-lt"/>
+                <a:cs typeface="+mn-lt"/>
+              </a:rPr>
+              <a:t>phân</a:t>
+            </a:r>
+            <a:r>
+              <a:rPr lang="en-US" dirty="0">
+                <a:solidFill>
+                  <a:srgbClr val="373A3C"/>
+                </a:solidFill>
+                <a:latin typeface="Times New Roman"/>
+                <a:ea typeface="+mn-lt"/>
+                <a:cs typeface="+mn-lt"/>
+              </a:rPr>
+              <a:t> </a:t>
+            </a:r>
+            <a:r>
+              <a:rPr lang="en-US" dirty="0" err="1">
+                <a:solidFill>
+                  <a:srgbClr val="373A3C"/>
+                </a:solidFill>
+                <a:latin typeface="Times New Roman"/>
+                <a:ea typeface="+mn-lt"/>
+                <a:cs typeface="+mn-lt"/>
+              </a:rPr>
+              <a:t>loại</a:t>
+            </a:r>
+            <a:r>
+              <a:rPr lang="en-US" dirty="0">
+                <a:solidFill>
+                  <a:srgbClr val="373A3C"/>
+                </a:solidFill>
+                <a:latin typeface="Times New Roman"/>
+                <a:ea typeface="+mn-lt"/>
+                <a:cs typeface="+mn-lt"/>
+              </a:rPr>
+              <a:t> </a:t>
+            </a:r>
+            <a:r>
+              <a:rPr lang="en-US" dirty="0" err="1">
+                <a:solidFill>
+                  <a:srgbClr val="373A3C"/>
+                </a:solidFill>
+                <a:latin typeface="Times New Roman"/>
+                <a:ea typeface="+mn-lt"/>
+                <a:cs typeface="+mn-lt"/>
+              </a:rPr>
+              <a:t>về</a:t>
+            </a:r>
+            <a:r>
+              <a:rPr lang="en-US" dirty="0">
+                <a:solidFill>
+                  <a:srgbClr val="373A3C"/>
+                </a:solidFill>
+                <a:latin typeface="Times New Roman"/>
+                <a:ea typeface="+mn-lt"/>
+                <a:cs typeface="+mn-lt"/>
+              </a:rPr>
+              <a:t> </a:t>
+            </a:r>
+            <a:r>
+              <a:rPr lang="en-US" dirty="0" err="1">
+                <a:solidFill>
+                  <a:srgbClr val="373A3C"/>
+                </a:solidFill>
+                <a:latin typeface="Times New Roman"/>
+                <a:ea typeface="+mn-lt"/>
+                <a:cs typeface="+mn-lt"/>
+              </a:rPr>
+              <a:t>dạng</a:t>
+            </a:r>
+            <a:r>
+              <a:rPr lang="en-US" dirty="0">
+                <a:solidFill>
+                  <a:srgbClr val="373A3C"/>
+                </a:solidFill>
+                <a:latin typeface="Times New Roman"/>
+                <a:ea typeface="+mn-lt"/>
+                <a:cs typeface="+mn-lt"/>
+              </a:rPr>
+              <a:t> </a:t>
+            </a:r>
+            <a:r>
+              <a:rPr lang="en-US" dirty="0" err="1">
+                <a:solidFill>
+                  <a:srgbClr val="373A3C"/>
+                </a:solidFill>
+                <a:latin typeface="Times New Roman"/>
+                <a:ea typeface="+mn-lt"/>
+                <a:cs typeface="+mn-lt"/>
+              </a:rPr>
+              <a:t>sinh</a:t>
+            </a:r>
+            <a:r>
+              <a:rPr lang="en-US" dirty="0">
+                <a:solidFill>
+                  <a:srgbClr val="373A3C"/>
+                </a:solidFill>
+                <a:latin typeface="Times New Roman"/>
+                <a:ea typeface="+mn-lt"/>
+                <a:cs typeface="+mn-lt"/>
+              </a:rPr>
+              <a:t> </a:t>
+            </a:r>
+            <a:r>
+              <a:rPr lang="en-US" dirty="0" err="1">
+                <a:solidFill>
+                  <a:srgbClr val="373A3C"/>
+                </a:solidFill>
+                <a:latin typeface="Times New Roman"/>
+                <a:ea typeface="+mn-lt"/>
+                <a:cs typeface="+mn-lt"/>
+              </a:rPr>
+              <a:t>văn</a:t>
+            </a:r>
+            <a:r>
+              <a:rPr lang="en-US" dirty="0">
+                <a:solidFill>
+                  <a:srgbClr val="373A3C"/>
+                </a:solidFill>
+                <a:latin typeface="Times New Roman"/>
+                <a:ea typeface="+mn-lt"/>
+                <a:cs typeface="+mn-lt"/>
+              </a:rPr>
+              <a:t> </a:t>
+            </a:r>
+            <a:r>
+              <a:rPr lang="en-US" dirty="0" err="1">
+                <a:solidFill>
+                  <a:srgbClr val="373A3C"/>
+                </a:solidFill>
+                <a:latin typeface="Times New Roman"/>
+                <a:ea typeface="+mn-lt"/>
+                <a:cs typeface="+mn-lt"/>
+              </a:rPr>
+              <a:t>bản</a:t>
+            </a:r>
+            <a:r>
+              <a:rPr lang="en-US" dirty="0">
+                <a:solidFill>
+                  <a:srgbClr val="373A3C"/>
+                </a:solidFill>
+                <a:latin typeface="Times New Roman"/>
+                <a:ea typeface="+mn-lt"/>
+                <a:cs typeface="+mn-lt"/>
+              </a:rPr>
+              <a:t> (Input: </a:t>
+            </a:r>
+            <a:r>
+              <a:rPr lang="en-US" dirty="0" err="1">
+                <a:solidFill>
+                  <a:srgbClr val="373A3C"/>
+                </a:solidFill>
+                <a:latin typeface="Times New Roman"/>
+                <a:ea typeface="+mn-lt"/>
+                <a:cs typeface="+mn-lt"/>
+              </a:rPr>
+              <a:t>câu</a:t>
+            </a:r>
+            <a:r>
+              <a:rPr lang="en-US" dirty="0">
+                <a:solidFill>
+                  <a:srgbClr val="373A3C"/>
+                </a:solidFill>
+                <a:latin typeface="Times New Roman"/>
+                <a:ea typeface="+mn-lt"/>
+                <a:cs typeface="+mn-lt"/>
+              </a:rPr>
+              <a:t> </a:t>
+            </a:r>
+            <a:r>
+              <a:rPr lang="en-US" dirty="0" err="1">
+                <a:solidFill>
+                  <a:srgbClr val="373A3C"/>
+                </a:solidFill>
+                <a:latin typeface="Times New Roman"/>
+                <a:ea typeface="+mn-lt"/>
+                <a:cs typeface="+mn-lt"/>
+              </a:rPr>
+              <a:t>bình</a:t>
+            </a:r>
+            <a:r>
+              <a:rPr lang="en-US" dirty="0">
+                <a:solidFill>
+                  <a:srgbClr val="373A3C"/>
+                </a:solidFill>
+                <a:latin typeface="Times New Roman"/>
+                <a:ea typeface="+mn-lt"/>
+                <a:cs typeface="+mn-lt"/>
+              </a:rPr>
+              <a:t> </a:t>
+            </a:r>
+            <a:r>
+              <a:rPr lang="en-US" dirty="0" err="1">
+                <a:solidFill>
+                  <a:srgbClr val="373A3C"/>
+                </a:solidFill>
+                <a:latin typeface="Times New Roman"/>
+                <a:ea typeface="+mn-lt"/>
+                <a:cs typeface="+mn-lt"/>
+              </a:rPr>
+              <a:t>luận</a:t>
+            </a:r>
+            <a:r>
+              <a:rPr lang="en-US" dirty="0">
+                <a:solidFill>
+                  <a:srgbClr val="373A3C"/>
+                </a:solidFill>
+                <a:latin typeface="Times New Roman"/>
+                <a:ea typeface="+mn-lt"/>
+                <a:cs typeface="+mn-lt"/>
+              </a:rPr>
+              <a:t>. Output: text </a:t>
+            </a:r>
+            <a:r>
+              <a:rPr lang="en-US" dirty="0" err="1">
+                <a:solidFill>
+                  <a:srgbClr val="373A3C"/>
+                </a:solidFill>
+                <a:latin typeface="Times New Roman"/>
+                <a:ea typeface="+mn-lt"/>
+                <a:cs typeface="+mn-lt"/>
+              </a:rPr>
+              <a:t>nhãn</a:t>
+            </a:r>
+            <a:r>
+              <a:rPr lang="en-US" dirty="0">
+                <a:solidFill>
+                  <a:srgbClr val="373A3C"/>
+                </a:solidFill>
+                <a:latin typeface="Times New Roman"/>
+                <a:ea typeface="+mn-lt"/>
+                <a:cs typeface="+mn-lt"/>
+              </a:rPr>
+              <a:t> "positive", "negative", "neutral").</a:t>
+            </a:r>
+            <a:endParaRPr lang="en-US" dirty="0">
               <a:latin typeface="Times New Roman"/>
               <a:ea typeface="Calibri"/>
               <a:cs typeface="Calibri"/>
@@ -35904,7 +37521,7 @@
               <a:buFont typeface="Arial"/>
               <a:buChar char="•"/>
             </a:pPr>
-            <a:endParaRPr lang="en-US" b="1">
+            <a:endParaRPr lang="en-US" b="1" dirty="0">
               <a:solidFill>
                 <a:srgbClr val="373A3C"/>
               </a:solidFill>
@@ -35918,7 +37535,7 @@
               <a:buFont typeface="Arial"/>
               <a:buChar char="•"/>
             </a:pPr>
-            <a:endParaRPr lang="en-US">
+            <a:endParaRPr lang="en-US" dirty="0">
               <a:solidFill>
                 <a:srgbClr val="373A3C"/>
               </a:solidFill>
@@ -35931,7 +37548,7 @@
             <a:pPr marL="0" indent="0">
               <a:buNone/>
             </a:pPr>
-            <a:endParaRPr lang="en-US">
+            <a:endParaRPr lang="en-US" dirty="0">
               <a:solidFill>
                 <a:srgbClr val="373A3C"/>
               </a:solidFill>
@@ -36213,39 +37830,149 @@
               <a:buChar char="•"/>
             </a:pPr>
             <a:r>
-              <a:rPr lang="en-US" sz="2400" b="1">
-                <a:solidFill>
-                  <a:srgbClr val="373A3C"/>
-                </a:solidFill>
-                <a:latin typeface="Times New Roman"/>
-                <a:ea typeface="+mn-lt"/>
-                <a:cs typeface="+mn-lt"/>
-              </a:rPr>
-              <a:t>Nguồn dữ liệu:</a:t>
-            </a:r>
-            <a:r>
-              <a:rPr lang="en-US" sz="2400">
-                <a:solidFill>
-                  <a:srgbClr val="373A3C"/>
-                </a:solidFill>
-                <a:latin typeface="Times New Roman"/>
-                <a:ea typeface="+mn-lt"/>
-                <a:cs typeface="+mn-lt"/>
-              </a:rPr>
-              <a:t> Tập VLSP 2016 SA (Sentiment Analysis). </a:t>
-            </a:r>
-            <a:r>
-              <a:rPr lang="en-US" sz="2400" b="1">
-                <a:solidFill>
-                  <a:srgbClr val="373A3C"/>
-                </a:solidFill>
-                <a:latin typeface="Times New Roman"/>
-                <a:ea typeface="+mn-lt"/>
-                <a:cs typeface="+mn-lt"/>
-              </a:rPr>
-              <a:t>Đặc điểm:</a:t>
-            </a:r>
-            <a:endParaRPr lang="vi-VN" sz="2400">
+              <a:rPr lang="en-US" sz="2400" b="1" dirty="0" err="1">
+                <a:solidFill>
+                  <a:srgbClr val="373A3C"/>
+                </a:solidFill>
+                <a:latin typeface="Times New Roman"/>
+                <a:ea typeface="+mn-lt"/>
+                <a:cs typeface="+mn-lt"/>
+              </a:rPr>
+              <a:t>Nguồn</a:t>
+            </a:r>
+            <a:r>
+              <a:rPr lang="en-US" sz="2400" b="1" dirty="0">
+                <a:solidFill>
+                  <a:srgbClr val="373A3C"/>
+                </a:solidFill>
+                <a:latin typeface="Times New Roman"/>
+                <a:ea typeface="+mn-lt"/>
+                <a:cs typeface="+mn-lt"/>
+              </a:rPr>
+              <a:t> </a:t>
+            </a:r>
+            <a:r>
+              <a:rPr lang="en-US" sz="2400" b="1" dirty="0" err="1">
+                <a:solidFill>
+                  <a:srgbClr val="373A3C"/>
+                </a:solidFill>
+                <a:latin typeface="Times New Roman"/>
+                <a:ea typeface="+mn-lt"/>
+                <a:cs typeface="+mn-lt"/>
+              </a:rPr>
+              <a:t>dữ</a:t>
+            </a:r>
+            <a:r>
+              <a:rPr lang="en-US" sz="2400" b="1" dirty="0">
+                <a:solidFill>
+                  <a:srgbClr val="373A3C"/>
+                </a:solidFill>
+                <a:latin typeface="Times New Roman"/>
+                <a:ea typeface="+mn-lt"/>
+                <a:cs typeface="+mn-lt"/>
+              </a:rPr>
+              <a:t> </a:t>
+            </a:r>
+            <a:r>
+              <a:rPr lang="en-US" sz="2400" b="1" dirty="0" err="1">
+                <a:solidFill>
+                  <a:srgbClr val="373A3C"/>
+                </a:solidFill>
+                <a:latin typeface="Times New Roman"/>
+                <a:ea typeface="+mn-lt"/>
+                <a:cs typeface="+mn-lt"/>
+              </a:rPr>
+              <a:t>liệu</a:t>
+            </a:r>
+            <a:r>
+              <a:rPr lang="en-US" sz="2400" b="1" dirty="0">
+                <a:solidFill>
+                  <a:srgbClr val="373A3C"/>
+                </a:solidFill>
+                <a:latin typeface="Times New Roman"/>
+                <a:ea typeface="+mn-lt"/>
+                <a:cs typeface="+mn-lt"/>
+              </a:rPr>
+              <a:t>:</a:t>
+            </a:r>
+            <a:r>
+              <a:rPr lang="en-US" sz="2400" dirty="0">
+                <a:solidFill>
+                  <a:srgbClr val="373A3C"/>
+                </a:solidFill>
+                <a:latin typeface="Times New Roman"/>
+                <a:ea typeface="+mn-lt"/>
+                <a:cs typeface="+mn-lt"/>
+              </a:rPr>
+              <a:t> </a:t>
+            </a:r>
+            <a:r>
+              <a:rPr lang="en-US" sz="2400" dirty="0" err="1">
+                <a:solidFill>
+                  <a:srgbClr val="373A3C"/>
+                </a:solidFill>
+                <a:latin typeface="Times New Roman"/>
+                <a:ea typeface="+mn-lt"/>
+                <a:cs typeface="+mn-lt"/>
+              </a:rPr>
+              <a:t>Tập</a:t>
+            </a:r>
+            <a:r>
+              <a:rPr lang="en-US" sz="2400" dirty="0">
+                <a:solidFill>
+                  <a:srgbClr val="373A3C"/>
+                </a:solidFill>
+                <a:latin typeface="Times New Roman"/>
+                <a:ea typeface="+mn-lt"/>
+                <a:cs typeface="+mn-lt"/>
+              </a:rPr>
+              <a:t> VLSP 2016 SA (Sentiment Analysis). </a:t>
+            </a:r>
+            <a:r>
+              <a:rPr lang="en-US" sz="2400" b="1" dirty="0" err="1">
+                <a:solidFill>
+                  <a:srgbClr val="373A3C"/>
+                </a:solidFill>
+                <a:latin typeface="Times New Roman"/>
+                <a:ea typeface="+mn-lt"/>
+                <a:cs typeface="+mn-lt"/>
+              </a:rPr>
+              <a:t>Đặc</a:t>
+            </a:r>
+            <a:r>
+              <a:rPr lang="en-US" sz="2400" b="1" dirty="0">
+                <a:solidFill>
+                  <a:srgbClr val="373A3C"/>
+                </a:solidFill>
+                <a:latin typeface="Times New Roman"/>
+                <a:ea typeface="+mn-lt"/>
+                <a:cs typeface="+mn-lt"/>
+              </a:rPr>
+              <a:t> </a:t>
+            </a:r>
+            <a:r>
+              <a:rPr lang="en-US" sz="2400" b="1" dirty="0" err="1">
+                <a:solidFill>
+                  <a:srgbClr val="373A3C"/>
+                </a:solidFill>
+                <a:latin typeface="Times New Roman"/>
+                <a:ea typeface="+mn-lt"/>
+                <a:cs typeface="+mn-lt"/>
+              </a:rPr>
+              <a:t>điểm</a:t>
+            </a:r>
+            <a:r>
+              <a:rPr lang="en-US" sz="2400" b="1" dirty="0">
+                <a:solidFill>
+                  <a:srgbClr val="373A3C"/>
+                </a:solidFill>
+                <a:latin typeface="Times New Roman"/>
+                <a:ea typeface="+mn-lt"/>
+                <a:cs typeface="+mn-lt"/>
+              </a:rPr>
+              <a:t>:</a:t>
+            </a:r>
+            <a:endParaRPr lang="vi-VN" sz="2400" dirty="0">
               <a:latin typeface="Times New Roman"/>
               <a:ea typeface="Calibri"/>
               <a:cs typeface="Arial" panose="020B0604020202020204" pitchFamily="34" charset="0"/>
@@ -36257,17 +37984,215 @@
               <a:buChar char="o"/>
             </a:pPr>
             <a:r>
-              <a:rPr lang="en-US">
-                <a:solidFill>
-                  <a:srgbClr val="373A3C"/>
-                </a:solidFill>
-                <a:latin typeface="Times New Roman"/>
-                <a:ea typeface="+mn-lt"/>
-                <a:cs typeface="+mn-lt"/>
-              </a:rPr>
-              <a:t>Bình luận ngắn về đời sống, thương mại, sản phẩm.</a:t>
-            </a:r>
-            <a:endParaRPr lang="vi-VN">
+              <a:rPr lang="en-US" dirty="0">
+                <a:solidFill>
+                  <a:srgbClr val="373A3C"/>
+                </a:solidFill>
+                <a:latin typeface="Times New Roman"/>
+                <a:ea typeface="+mn-lt"/>
+                <a:cs typeface="+mn-lt"/>
+              </a:rPr>
+              <a:t>Bình </a:t>
+            </a:r>
+            <a:r>
+              <a:rPr lang="en-US" dirty="0" err="1">
+                <a:solidFill>
+                  <a:srgbClr val="373A3C"/>
+                </a:solidFill>
+                <a:latin typeface="Times New Roman"/>
+                <a:ea typeface="+mn-lt"/>
+                <a:cs typeface="+mn-lt"/>
+              </a:rPr>
+              <a:t>luận</a:t>
+            </a:r>
+            <a:r>
+              <a:rPr lang="en-US" dirty="0">
+                <a:solidFill>
+                  <a:srgbClr val="373A3C"/>
+                </a:solidFill>
+                <a:latin typeface="Times New Roman"/>
+                <a:ea typeface="+mn-lt"/>
+                <a:cs typeface="+mn-lt"/>
+              </a:rPr>
+              <a:t> </a:t>
+            </a:r>
+            <a:r>
+              <a:rPr lang="en-US" dirty="0" err="1">
+                <a:solidFill>
+                  <a:srgbClr val="373A3C"/>
+                </a:solidFill>
+                <a:latin typeface="Times New Roman"/>
+                <a:ea typeface="+mn-lt"/>
+                <a:cs typeface="+mn-lt"/>
+              </a:rPr>
+              <a:t>ngắn</a:t>
+            </a:r>
+            <a:r>
+              <a:rPr lang="en-US" dirty="0">
+                <a:solidFill>
+                  <a:srgbClr val="373A3C"/>
+                </a:solidFill>
+                <a:latin typeface="Times New Roman"/>
+                <a:ea typeface="+mn-lt"/>
+                <a:cs typeface="+mn-lt"/>
+              </a:rPr>
+              <a:t> </a:t>
+            </a:r>
+            <a:r>
+              <a:rPr lang="en-US" dirty="0" err="1">
+                <a:solidFill>
+                  <a:srgbClr val="373A3C"/>
+                </a:solidFill>
+                <a:latin typeface="Times New Roman"/>
+                <a:ea typeface="+mn-lt"/>
+                <a:cs typeface="+mn-lt"/>
+              </a:rPr>
+              <a:t>về</a:t>
+            </a:r>
+            <a:r>
+              <a:rPr lang="en-US" dirty="0">
+                <a:solidFill>
+                  <a:srgbClr val="373A3C"/>
+                </a:solidFill>
+                <a:latin typeface="Times New Roman"/>
+                <a:ea typeface="+mn-lt"/>
+                <a:cs typeface="+mn-lt"/>
+              </a:rPr>
+              <a:t> </a:t>
+            </a:r>
+            <a:r>
+              <a:rPr lang="en-US" dirty="0" err="1">
+                <a:solidFill>
+                  <a:srgbClr val="373A3C"/>
+                </a:solidFill>
+                <a:latin typeface="Times New Roman"/>
+                <a:ea typeface="+mn-lt"/>
+                <a:cs typeface="+mn-lt"/>
+              </a:rPr>
+              <a:t>đời</a:t>
+            </a:r>
+            <a:r>
+              <a:rPr lang="en-US" dirty="0">
+                <a:solidFill>
+                  <a:srgbClr val="373A3C"/>
+                </a:solidFill>
+                <a:latin typeface="Times New Roman"/>
+                <a:ea typeface="+mn-lt"/>
+                <a:cs typeface="+mn-lt"/>
+              </a:rPr>
+              <a:t> </a:t>
+            </a:r>
+            <a:r>
+              <a:rPr lang="en-US" dirty="0" err="1">
+                <a:solidFill>
+                  <a:srgbClr val="373A3C"/>
+                </a:solidFill>
+                <a:latin typeface="Times New Roman"/>
+                <a:ea typeface="+mn-lt"/>
+                <a:cs typeface="+mn-lt"/>
+              </a:rPr>
+              <a:t>sống</a:t>
+            </a:r>
+            <a:r>
+              <a:rPr lang="en-US" dirty="0">
+                <a:solidFill>
+                  <a:srgbClr val="373A3C"/>
+                </a:solidFill>
+                <a:latin typeface="Times New Roman"/>
+                <a:ea typeface="+mn-lt"/>
+                <a:cs typeface="+mn-lt"/>
+              </a:rPr>
+              <a:t>, </a:t>
+            </a:r>
+            <a:r>
+              <a:rPr lang="en-US" dirty="0" err="1">
+                <a:solidFill>
+                  <a:srgbClr val="373A3C"/>
+                </a:solidFill>
+                <a:latin typeface="Times New Roman"/>
+                <a:ea typeface="+mn-lt"/>
+                <a:cs typeface="+mn-lt"/>
+              </a:rPr>
+              <a:t>thương</a:t>
+            </a:r>
+            <a:r>
+              <a:rPr lang="en-US" dirty="0">
+                <a:solidFill>
+                  <a:srgbClr val="373A3C"/>
+                </a:solidFill>
+                <a:latin typeface="Times New Roman"/>
+                <a:ea typeface="+mn-lt"/>
+                <a:cs typeface="+mn-lt"/>
+              </a:rPr>
+              <a:t> </a:t>
+            </a:r>
+            <a:r>
+              <a:rPr lang="en-US" dirty="0" err="1">
+                <a:solidFill>
+                  <a:srgbClr val="373A3C"/>
+                </a:solidFill>
+                <a:latin typeface="Times New Roman"/>
+                <a:ea typeface="+mn-lt"/>
+                <a:cs typeface="+mn-lt"/>
+              </a:rPr>
+              <a:t>mại</a:t>
+            </a:r>
+            <a:r>
+              <a:rPr lang="en-US" dirty="0">
+                <a:solidFill>
+                  <a:srgbClr val="373A3C"/>
+                </a:solidFill>
+                <a:latin typeface="Times New Roman"/>
+                <a:ea typeface="+mn-lt"/>
+                <a:cs typeface="+mn-lt"/>
+              </a:rPr>
+              <a:t>, </a:t>
+            </a:r>
+            <a:r>
+              <a:rPr lang="en-US" dirty="0" err="1">
+                <a:solidFill>
+                  <a:srgbClr val="373A3C"/>
+                </a:solidFill>
+                <a:latin typeface="Times New Roman"/>
+                <a:ea typeface="+mn-lt"/>
+                <a:cs typeface="+mn-lt"/>
+              </a:rPr>
+              <a:t>sản</a:t>
+            </a:r>
+            <a:r>
+              <a:rPr lang="en-US" dirty="0">
+                <a:solidFill>
+                  <a:srgbClr val="373A3C"/>
+                </a:solidFill>
+                <a:latin typeface="Times New Roman"/>
+                <a:ea typeface="+mn-lt"/>
+                <a:cs typeface="+mn-lt"/>
+              </a:rPr>
+              <a:t> </a:t>
+            </a:r>
+            <a:r>
+              <a:rPr lang="en-US" dirty="0" err="1">
+                <a:solidFill>
+                  <a:srgbClr val="373A3C"/>
+                </a:solidFill>
+                <a:latin typeface="Times New Roman"/>
+                <a:ea typeface="+mn-lt"/>
+                <a:cs typeface="+mn-lt"/>
+              </a:rPr>
+              <a:t>phẩm</a:t>
+            </a:r>
+            <a:r>
+              <a:rPr lang="en-US" dirty="0">
+                <a:solidFill>
+                  <a:srgbClr val="373A3C"/>
+                </a:solidFill>
+                <a:latin typeface="Times New Roman"/>
+                <a:ea typeface="+mn-lt"/>
+                <a:cs typeface="+mn-lt"/>
+              </a:rPr>
+              <a:t>.</a:t>
+            </a:r>
+            <a:endParaRPr lang="vi-VN" dirty="0">
               <a:latin typeface="Times New Roman"/>
               <a:ea typeface="+mn-lt"/>
               <a:cs typeface="Arial"/>
@@ -36279,17 +38204,149 @@
               <a:buChar char="o"/>
             </a:pPr>
             <a:r>
-              <a:rPr lang="en-US">
-                <a:solidFill>
-                  <a:srgbClr val="373A3C"/>
-                </a:solidFill>
-                <a:latin typeface="Times New Roman"/>
-                <a:ea typeface="+mn-lt"/>
-                <a:cs typeface="+mn-lt"/>
-              </a:rPr>
-              <a:t>Văn phong đơn giản, độ dài ngắn.</a:t>
-            </a:r>
-            <a:endParaRPr lang="en-US">
+              <a:rPr lang="en-US" dirty="0">
+                <a:solidFill>
+                  <a:srgbClr val="373A3C"/>
+                </a:solidFill>
+                <a:latin typeface="Times New Roman"/>
+                <a:ea typeface="+mn-lt"/>
+                <a:cs typeface="+mn-lt"/>
+              </a:rPr>
+              <a:t>Văn </a:t>
+            </a:r>
+            <a:r>
+              <a:rPr lang="en-US" dirty="0" err="1">
+                <a:solidFill>
+                  <a:srgbClr val="373A3C"/>
+                </a:solidFill>
+                <a:latin typeface="Times New Roman"/>
+                <a:ea typeface="+mn-lt"/>
+                <a:cs typeface="+mn-lt"/>
+              </a:rPr>
+              <a:t>phong</a:t>
+            </a:r>
+            <a:r>
+              <a:rPr lang="en-US" dirty="0">
+                <a:solidFill>
+                  <a:srgbClr val="373A3C"/>
+                </a:solidFill>
+                <a:latin typeface="Times New Roman"/>
+                <a:ea typeface="+mn-lt"/>
+                <a:cs typeface="+mn-lt"/>
+              </a:rPr>
+              <a:t> </a:t>
+            </a:r>
+            <a:r>
+              <a:rPr lang="en-US" dirty="0" err="1">
+                <a:solidFill>
+                  <a:srgbClr val="373A3C"/>
+                </a:solidFill>
+                <a:latin typeface="Times New Roman"/>
+                <a:ea typeface="+mn-lt"/>
+                <a:cs typeface="+mn-lt"/>
+              </a:rPr>
+              <a:t>đơn</a:t>
+            </a:r>
+            <a:r>
+              <a:rPr lang="en-US" dirty="0">
+                <a:solidFill>
+                  <a:srgbClr val="373A3C"/>
+                </a:solidFill>
+                <a:latin typeface="Times New Roman"/>
+                <a:ea typeface="+mn-lt"/>
+                <a:cs typeface="+mn-lt"/>
+              </a:rPr>
+              <a:t> </a:t>
+            </a:r>
+            <a:r>
+              <a:rPr lang="en-US" dirty="0" err="1">
+                <a:solidFill>
+                  <a:srgbClr val="373A3C"/>
+                </a:solidFill>
+                <a:latin typeface="Times New Roman"/>
+                <a:ea typeface="+mn-lt"/>
+                <a:cs typeface="+mn-lt"/>
+              </a:rPr>
+              <a:t>giản</a:t>
+            </a:r>
+            <a:r>
+              <a:rPr lang="en-US" dirty="0">
+                <a:solidFill>
+                  <a:srgbClr val="373A3C"/>
+                </a:solidFill>
+                <a:latin typeface="Times New Roman"/>
+                <a:ea typeface="+mn-lt"/>
+                <a:cs typeface="+mn-lt"/>
+              </a:rPr>
+              <a:t>, </a:t>
+            </a:r>
+            <a:r>
+              <a:rPr lang="en-US" dirty="0" err="1">
+                <a:solidFill>
+                  <a:srgbClr val="373A3C"/>
+                </a:solidFill>
+                <a:latin typeface="Times New Roman"/>
+                <a:ea typeface="+mn-lt"/>
+                <a:cs typeface="+mn-lt"/>
+              </a:rPr>
+              <a:t>độ</a:t>
+            </a:r>
+            <a:r>
+              <a:rPr lang="en-US" dirty="0">
+                <a:solidFill>
+                  <a:srgbClr val="373A3C"/>
+                </a:solidFill>
+                <a:latin typeface="Times New Roman"/>
+                <a:ea typeface="+mn-lt"/>
+                <a:cs typeface="+mn-lt"/>
+              </a:rPr>
+              <a:t> </a:t>
+            </a:r>
+            <a:r>
+              <a:rPr lang="en-US" dirty="0" err="1">
+                <a:solidFill>
+                  <a:srgbClr val="373A3C"/>
+                </a:solidFill>
+                <a:latin typeface="Times New Roman"/>
+                <a:ea typeface="+mn-lt"/>
+                <a:cs typeface="+mn-lt"/>
+              </a:rPr>
+              <a:t>dài</a:t>
+            </a:r>
+            <a:r>
+              <a:rPr lang="en-US" dirty="0">
+                <a:solidFill>
+                  <a:srgbClr val="373A3C"/>
+                </a:solidFill>
+                <a:latin typeface="Times New Roman"/>
+                <a:ea typeface="+mn-lt"/>
+                <a:cs typeface="+mn-lt"/>
+              </a:rPr>
+              <a:t> </a:t>
+            </a:r>
+            <a:r>
+              <a:rPr lang="en-US" dirty="0" err="1">
+                <a:solidFill>
+                  <a:srgbClr val="373A3C"/>
+                </a:solidFill>
+                <a:latin typeface="Times New Roman"/>
+                <a:ea typeface="+mn-lt"/>
+                <a:cs typeface="+mn-lt"/>
+              </a:rPr>
+              <a:t>ngắn</a:t>
+            </a:r>
+            <a:r>
+              <a:rPr lang="en-US" dirty="0">
+                <a:solidFill>
+                  <a:srgbClr val="373A3C"/>
+                </a:solidFill>
+                <a:latin typeface="Times New Roman"/>
+                <a:ea typeface="+mn-lt"/>
+                <a:cs typeface="+mn-lt"/>
+              </a:rPr>
+              <a:t>.</a:t>
+            </a:r>
+            <a:endParaRPr lang="en-US" dirty="0">
               <a:latin typeface="Times New Roman"/>
               <a:ea typeface="+mn-lt"/>
               <a:cs typeface="+mn-lt"/>
@@ -36301,17 +38358,72 @@
               <a:buChar char="•"/>
             </a:pPr>
             <a:r>
-              <a:rPr lang="en-US" sz="2400" b="1">
-                <a:solidFill>
-                  <a:srgbClr val="373A3C"/>
-                </a:solidFill>
-                <a:latin typeface="Times New Roman"/>
-                <a:ea typeface="+mn-lt"/>
-                <a:cs typeface="+mn-lt"/>
-              </a:rPr>
-              <a:t>Tiền xử lý:</a:t>
-            </a:r>
-            <a:endParaRPr lang="en-US" sz="2400">
+              <a:rPr lang="en-US" sz="2400" b="1" dirty="0" err="1">
+                <a:solidFill>
+                  <a:srgbClr val="373A3C"/>
+                </a:solidFill>
+                <a:latin typeface="Times New Roman"/>
+                <a:ea typeface="+mn-lt"/>
+                <a:cs typeface="+mn-lt"/>
+              </a:rPr>
+              <a:t>Tiền</a:t>
+            </a:r>
+            <a:r>
+              <a:rPr lang="en-US" sz="2400" b="1" dirty="0">
+                <a:solidFill>
+                  <a:srgbClr val="373A3C"/>
+                </a:solidFill>
+                <a:latin typeface="Times New Roman"/>
+                <a:ea typeface="+mn-lt"/>
+                <a:cs typeface="+mn-lt"/>
+              </a:rPr>
+              <a:t> </a:t>
+            </a:r>
+            <a:r>
+              <a:rPr lang="en-US" sz="2400" b="1" dirty="0" err="1">
+                <a:solidFill>
+                  <a:srgbClr val="373A3C"/>
+                </a:solidFill>
+                <a:latin typeface="Times New Roman"/>
+                <a:ea typeface="+mn-lt"/>
+                <a:cs typeface="+mn-lt"/>
+              </a:rPr>
+              <a:t>xử</a:t>
+            </a:r>
+            <a:r>
+              <a:rPr lang="en-US" sz="2400" b="1" dirty="0">
+                <a:solidFill>
+                  <a:srgbClr val="373A3C"/>
+                </a:solidFill>
+                <a:latin typeface="Times New Roman"/>
+                <a:ea typeface="+mn-lt"/>
+                <a:cs typeface="+mn-lt"/>
+              </a:rPr>
+              <a:t> </a:t>
+            </a:r>
+            <a:r>
+              <a:rPr lang="en-US" sz="2400" b="1" dirty="0" err="1">
+                <a:solidFill>
+                  <a:srgbClr val="373A3C"/>
+                </a:solidFill>
+                <a:latin typeface="Times New Roman"/>
+                <a:ea typeface="+mn-lt"/>
+                <a:cs typeface="+mn-lt"/>
+              </a:rPr>
+              <a:t>lý</a:t>
+            </a:r>
+            <a:r>
+              <a:rPr lang="en-US" sz="2400" b="1" dirty="0">
+                <a:solidFill>
+                  <a:srgbClr val="373A3C"/>
+                </a:solidFill>
+                <a:latin typeface="Times New Roman"/>
+                <a:ea typeface="+mn-lt"/>
+                <a:cs typeface="+mn-lt"/>
+              </a:rPr>
+              <a:t>:</a:t>
+            </a:r>
+            <a:endParaRPr lang="en-US" sz="2400" dirty="0">
               <a:latin typeface="Times New Roman"/>
               <a:ea typeface="+mn-lt"/>
               <a:cs typeface="+mn-lt"/>
@@ -36323,28 +38435,193 @@
               <a:buChar char="o"/>
             </a:pPr>
             <a:r>
-              <a:rPr lang="en-US" b="1">
-                <a:solidFill>
-                  <a:srgbClr val="373A3C"/>
-                </a:solidFill>
-                <a:latin typeface="Times New Roman"/>
-                <a:ea typeface="+mn-lt"/>
-                <a:cs typeface="+mn-lt"/>
-              </a:rPr>
-              <a:t>Chuẩn hóa:</a:t>
-            </a:r>
-            <a:r>
-              <a:rPr lang="en-US">
-                <a:solidFill>
-                  <a:srgbClr val="373A3C"/>
-                </a:solidFill>
-                <a:latin typeface="Times New Roman"/>
-                <a:ea typeface="+mn-lt"/>
-                <a:cs typeface="+mn-lt"/>
-              </a:rPr>
-              <a:t> Unicode, loại bỏ câu quá ngắn (&lt; 3 từ).</a:t>
-            </a:r>
-            <a:endParaRPr lang="en-US">
+              <a:rPr lang="en-US" b="1" dirty="0" err="1">
+                <a:solidFill>
+                  <a:srgbClr val="373A3C"/>
+                </a:solidFill>
+                <a:latin typeface="Times New Roman"/>
+                <a:ea typeface="+mn-lt"/>
+                <a:cs typeface="+mn-lt"/>
+              </a:rPr>
+              <a:t>Chuẩn</a:t>
+            </a:r>
+            <a:r>
+              <a:rPr lang="en-US" b="1" dirty="0">
+                <a:solidFill>
+                  <a:srgbClr val="373A3C"/>
+                </a:solidFill>
+                <a:latin typeface="Times New Roman"/>
+                <a:ea typeface="+mn-lt"/>
+                <a:cs typeface="+mn-lt"/>
+              </a:rPr>
+              <a:t> </a:t>
+            </a:r>
+            <a:r>
+              <a:rPr lang="en-US" b="1" dirty="0" err="1">
+                <a:solidFill>
+                  <a:srgbClr val="373A3C"/>
+                </a:solidFill>
+                <a:latin typeface="Times New Roman"/>
+                <a:ea typeface="+mn-lt"/>
+                <a:cs typeface="+mn-lt"/>
+              </a:rPr>
+              <a:t>hóa</a:t>
+            </a:r>
+            <a:r>
+              <a:rPr lang="en-US" b="1" dirty="0">
+                <a:solidFill>
+                  <a:srgbClr val="373A3C"/>
+                </a:solidFill>
+                <a:latin typeface="Times New Roman"/>
+                <a:ea typeface="+mn-lt"/>
+                <a:cs typeface="+mn-lt"/>
+              </a:rPr>
+              <a:t>:</a:t>
+            </a:r>
+            <a:r>
+              <a:rPr lang="en-US" dirty="0">
+                <a:solidFill>
+                  <a:srgbClr val="373A3C"/>
+                </a:solidFill>
+                <a:latin typeface="Times New Roman"/>
+                <a:ea typeface="+mn-lt"/>
+                <a:cs typeface="+mn-lt"/>
+              </a:rPr>
+              <a:t> Unicode, </a:t>
+            </a:r>
+            <a:r>
+              <a:rPr lang="en-US" dirty="0" err="1">
+                <a:solidFill>
+                  <a:srgbClr val="373A3C"/>
+                </a:solidFill>
+                <a:latin typeface="Times New Roman"/>
+                <a:ea typeface="+mn-lt"/>
+                <a:cs typeface="+mn-lt"/>
+              </a:rPr>
+              <a:t>loại</a:t>
+            </a:r>
+            <a:r>
+              <a:rPr lang="en-US" dirty="0">
+                <a:solidFill>
+                  <a:srgbClr val="373A3C"/>
+                </a:solidFill>
+                <a:latin typeface="Times New Roman"/>
+                <a:ea typeface="+mn-lt"/>
+                <a:cs typeface="+mn-lt"/>
+              </a:rPr>
+              <a:t> </a:t>
+            </a:r>
+            <a:r>
+              <a:rPr lang="en-US" dirty="0" err="1">
+                <a:solidFill>
+                  <a:srgbClr val="373A3C"/>
+                </a:solidFill>
+                <a:latin typeface="Times New Roman"/>
+                <a:ea typeface="+mn-lt"/>
+                <a:cs typeface="+mn-lt"/>
+              </a:rPr>
+              <a:t>bỏ</a:t>
+            </a:r>
+            <a:r>
+              <a:rPr lang="en-US" dirty="0">
+                <a:solidFill>
+                  <a:srgbClr val="373A3C"/>
+                </a:solidFill>
+                <a:latin typeface="Times New Roman"/>
+                <a:ea typeface="+mn-lt"/>
+                <a:cs typeface="+mn-lt"/>
+              </a:rPr>
+              <a:t> </a:t>
+            </a:r>
+            <a:r>
+              <a:rPr lang="en-US" dirty="0" err="1">
+                <a:solidFill>
+                  <a:srgbClr val="373A3C"/>
+                </a:solidFill>
+                <a:latin typeface="Times New Roman"/>
+                <a:ea typeface="+mn-lt"/>
+                <a:cs typeface="+mn-lt"/>
+              </a:rPr>
+              <a:t>câu</a:t>
+            </a:r>
+            <a:r>
+              <a:rPr lang="en-US" dirty="0">
+                <a:solidFill>
+                  <a:srgbClr val="373A3C"/>
+                </a:solidFill>
+                <a:latin typeface="Times New Roman"/>
+                <a:ea typeface="+mn-lt"/>
+                <a:cs typeface="+mn-lt"/>
+              </a:rPr>
+              <a:t> </a:t>
+            </a:r>
+            <a:r>
+              <a:rPr lang="en-US" dirty="0" err="1">
+                <a:solidFill>
+                  <a:srgbClr val="373A3C"/>
+                </a:solidFill>
+                <a:latin typeface="Times New Roman"/>
+                <a:ea typeface="+mn-lt"/>
+                <a:cs typeface="+mn-lt"/>
+              </a:rPr>
+              <a:t>quá</a:t>
+            </a:r>
+            <a:r>
+              <a:rPr lang="en-US" dirty="0">
+                <a:solidFill>
+                  <a:srgbClr val="373A3C"/>
+                </a:solidFill>
+                <a:latin typeface="Times New Roman"/>
+                <a:ea typeface="+mn-lt"/>
+                <a:cs typeface="+mn-lt"/>
+              </a:rPr>
+              <a:t> </a:t>
+            </a:r>
+            <a:r>
+              <a:rPr lang="en-US" dirty="0" err="1">
+                <a:solidFill>
+                  <a:srgbClr val="373A3C"/>
+                </a:solidFill>
+                <a:latin typeface="Times New Roman"/>
+                <a:ea typeface="+mn-lt"/>
+                <a:cs typeface="+mn-lt"/>
+              </a:rPr>
+              <a:t>ngắn</a:t>
+            </a:r>
+            <a:r>
+              <a:rPr lang="en-US" dirty="0">
+                <a:solidFill>
+                  <a:srgbClr val="373A3C"/>
+                </a:solidFill>
+                <a:latin typeface="Times New Roman"/>
+                <a:ea typeface="+mn-lt"/>
+                <a:cs typeface="+mn-lt"/>
+              </a:rPr>
+              <a:t> (&lt; 3 </a:t>
+            </a:r>
+            <a:r>
+              <a:rPr lang="en-US" dirty="0" err="1">
+                <a:solidFill>
+                  <a:srgbClr val="373A3C"/>
+                </a:solidFill>
+                <a:latin typeface="Times New Roman"/>
+                <a:ea typeface="+mn-lt"/>
+                <a:cs typeface="+mn-lt"/>
+              </a:rPr>
+              <a:t>từ</a:t>
+            </a:r>
+            <a:r>
+              <a:rPr lang="en-US" dirty="0">
+                <a:solidFill>
+                  <a:srgbClr val="373A3C"/>
+                </a:solidFill>
+                <a:latin typeface="Times New Roman"/>
+                <a:ea typeface="+mn-lt"/>
+                <a:cs typeface="+mn-lt"/>
+              </a:rPr>
+              <a:t>).</a:t>
+            </a:r>
+            <a:endParaRPr lang="en-US" dirty="0">
               <a:latin typeface="Times New Roman"/>
               <a:ea typeface="+mn-lt"/>
               <a:cs typeface="+mn-lt"/>
@@ -36356,28 +38633,171 @@
               <a:buChar char="o"/>
             </a:pPr>
             <a:r>
-              <a:rPr lang="en-US" b="1">
-                <a:solidFill>
-                  <a:srgbClr val="373A3C"/>
-                </a:solidFill>
-                <a:latin typeface="Times New Roman"/>
-                <a:ea typeface="+mn-lt"/>
-                <a:cs typeface="+mn-lt"/>
-              </a:rPr>
-              <a:t>Gán nhãn:</a:t>
-            </a:r>
-            <a:r>
-              <a:rPr lang="en-US">
-                <a:solidFill>
-                  <a:srgbClr val="373A3C"/>
-                </a:solidFill>
-                <a:latin typeface="Times New Roman"/>
-                <a:ea typeface="+mn-lt"/>
-                <a:cs typeface="+mn-lt"/>
-              </a:rPr>
-              <a:t> Chuyển đổi nhãn gốc POS, NEG, NEU thành positive, negative, neutral.</a:t>
-            </a:r>
-            <a:endParaRPr lang="en-US">
+              <a:rPr lang="en-US" b="1" dirty="0" err="1">
+                <a:solidFill>
+                  <a:srgbClr val="373A3C"/>
+                </a:solidFill>
+                <a:latin typeface="Times New Roman"/>
+                <a:ea typeface="+mn-lt"/>
+                <a:cs typeface="+mn-lt"/>
+              </a:rPr>
+              <a:t>Gán</a:t>
+            </a:r>
+            <a:r>
+              <a:rPr lang="en-US" b="1" dirty="0">
+                <a:solidFill>
+                  <a:srgbClr val="373A3C"/>
+                </a:solidFill>
+                <a:latin typeface="Times New Roman"/>
+                <a:ea typeface="+mn-lt"/>
+                <a:cs typeface="+mn-lt"/>
+              </a:rPr>
+              <a:t> </a:t>
+            </a:r>
+            <a:r>
+              <a:rPr lang="en-US" b="1" dirty="0" err="1">
+                <a:solidFill>
+                  <a:srgbClr val="373A3C"/>
+                </a:solidFill>
+                <a:latin typeface="Times New Roman"/>
+                <a:ea typeface="+mn-lt"/>
+                <a:cs typeface="+mn-lt"/>
+              </a:rPr>
+              <a:t>nhãn</a:t>
+            </a:r>
+            <a:r>
+              <a:rPr lang="en-US" b="1" dirty="0">
+                <a:solidFill>
+                  <a:srgbClr val="373A3C"/>
+                </a:solidFill>
+                <a:latin typeface="Times New Roman"/>
+                <a:ea typeface="+mn-lt"/>
+                <a:cs typeface="+mn-lt"/>
+              </a:rPr>
+              <a:t>:</a:t>
+            </a:r>
+            <a:r>
+              <a:rPr lang="en-US" dirty="0">
+                <a:solidFill>
+                  <a:srgbClr val="373A3C"/>
+                </a:solidFill>
+                <a:latin typeface="Times New Roman"/>
+                <a:ea typeface="+mn-lt"/>
+                <a:cs typeface="+mn-lt"/>
+              </a:rPr>
+              <a:t> </a:t>
+            </a:r>
+            <a:r>
+              <a:rPr lang="en-US" dirty="0" err="1">
+                <a:solidFill>
+                  <a:srgbClr val="373A3C"/>
+                </a:solidFill>
+                <a:latin typeface="Times New Roman"/>
+                <a:ea typeface="+mn-lt"/>
+                <a:cs typeface="+mn-lt"/>
+              </a:rPr>
+              <a:t>Chuyển</a:t>
+            </a:r>
+            <a:r>
+              <a:rPr lang="en-US" dirty="0">
+                <a:solidFill>
+                  <a:srgbClr val="373A3C"/>
+                </a:solidFill>
+                <a:latin typeface="Times New Roman"/>
+                <a:ea typeface="+mn-lt"/>
+                <a:cs typeface="+mn-lt"/>
+              </a:rPr>
+              <a:t> </a:t>
+            </a:r>
+            <a:r>
+              <a:rPr lang="en-US" dirty="0" err="1">
+                <a:solidFill>
+                  <a:srgbClr val="373A3C"/>
+                </a:solidFill>
+                <a:latin typeface="Times New Roman"/>
+                <a:ea typeface="+mn-lt"/>
+                <a:cs typeface="+mn-lt"/>
+              </a:rPr>
+              <a:t>đổi</a:t>
+            </a:r>
+            <a:r>
+              <a:rPr lang="en-US" dirty="0">
+                <a:solidFill>
+                  <a:srgbClr val="373A3C"/>
+                </a:solidFill>
+                <a:latin typeface="Times New Roman"/>
+                <a:ea typeface="+mn-lt"/>
+                <a:cs typeface="+mn-lt"/>
+              </a:rPr>
+              <a:t> </a:t>
+            </a:r>
+            <a:r>
+              <a:rPr lang="en-US" dirty="0" err="1">
+                <a:solidFill>
+                  <a:srgbClr val="373A3C"/>
+                </a:solidFill>
+                <a:latin typeface="Times New Roman"/>
+                <a:ea typeface="+mn-lt"/>
+                <a:cs typeface="+mn-lt"/>
+              </a:rPr>
+              <a:t>nhãn</a:t>
+            </a:r>
+            <a:r>
+              <a:rPr lang="en-US" dirty="0">
+                <a:solidFill>
+                  <a:srgbClr val="373A3C"/>
+                </a:solidFill>
+                <a:latin typeface="Times New Roman"/>
+                <a:ea typeface="+mn-lt"/>
+                <a:cs typeface="+mn-lt"/>
+              </a:rPr>
+              <a:t> </a:t>
+            </a:r>
+            <a:r>
+              <a:rPr lang="en-US" dirty="0" err="1">
+                <a:solidFill>
+                  <a:srgbClr val="373A3C"/>
+                </a:solidFill>
+                <a:latin typeface="Times New Roman"/>
+                <a:ea typeface="+mn-lt"/>
+                <a:cs typeface="+mn-lt"/>
+              </a:rPr>
+              <a:t>gốc</a:t>
+            </a:r>
+            <a:r>
+              <a:rPr lang="en-US" dirty="0">
+                <a:solidFill>
+                  <a:srgbClr val="373A3C"/>
+                </a:solidFill>
+                <a:latin typeface="Times New Roman"/>
+                <a:ea typeface="+mn-lt"/>
+                <a:cs typeface="+mn-lt"/>
+              </a:rPr>
+              <a:t> POS, NEG, NEU </a:t>
+            </a:r>
+            <a:r>
+              <a:rPr lang="en-US" dirty="0" err="1">
+                <a:solidFill>
+                  <a:srgbClr val="373A3C"/>
+                </a:solidFill>
+                <a:latin typeface="Times New Roman"/>
+                <a:ea typeface="+mn-lt"/>
+                <a:cs typeface="+mn-lt"/>
+              </a:rPr>
+              <a:t>thành</a:t>
+            </a:r>
+            <a:r>
+              <a:rPr lang="en-US" dirty="0">
+                <a:solidFill>
+                  <a:srgbClr val="373A3C"/>
+                </a:solidFill>
+                <a:latin typeface="Times New Roman"/>
+                <a:ea typeface="+mn-lt"/>
+                <a:cs typeface="+mn-lt"/>
+              </a:rPr>
+              <a:t> positive, negative, neutral.</a:t>
+            </a:r>
+            <a:endParaRPr lang="en-US" dirty="0">
               <a:latin typeface="Times New Roman"/>
               <a:ea typeface="+mn-lt"/>
               <a:cs typeface="+mn-lt"/>
@@ -36389,28 +38809,325 @@
               <a:buChar char="o"/>
             </a:pPr>
             <a:r>
-              <a:rPr lang="en-US" b="1">
-                <a:solidFill>
-                  <a:srgbClr val="373A3C"/>
-                </a:solidFill>
-                <a:latin typeface="Times New Roman"/>
-                <a:ea typeface="+mn-lt"/>
-                <a:cs typeface="+mn-lt"/>
-              </a:rPr>
-              <a:t>Đóng gói:</a:t>
-            </a:r>
-            <a:r>
-              <a:rPr lang="en-US">
-                <a:solidFill>
-                  <a:srgbClr val="373A3C"/>
-                </a:solidFill>
-                <a:latin typeface="Times New Roman"/>
-                <a:ea typeface="+mn-lt"/>
-                <a:cs typeface="+mn-lt"/>
-              </a:rPr>
-              <a:t> Thêm prefix để định hướng mô hình: "Phân loại cảm xúc: [nội dung câu]".</a:t>
-            </a:r>
-            <a:endParaRPr lang="en-US">
+              <a:rPr lang="en-US" b="1" dirty="0" err="1">
+                <a:solidFill>
+                  <a:srgbClr val="373A3C"/>
+                </a:solidFill>
+                <a:latin typeface="Times New Roman"/>
+                <a:ea typeface="+mn-lt"/>
+                <a:cs typeface="+mn-lt"/>
+              </a:rPr>
+              <a:t>Đóng</a:t>
+            </a:r>
+            <a:r>
+              <a:rPr lang="en-US" b="1" dirty="0">
+                <a:solidFill>
+                  <a:srgbClr val="373A3C"/>
+                </a:solidFill>
+                <a:latin typeface="Times New Roman"/>
+                <a:ea typeface="+mn-lt"/>
+                <a:cs typeface="+mn-lt"/>
+              </a:rPr>
+              <a:t> </a:t>
+            </a:r>
+            <a:r>
+              <a:rPr lang="en-US" b="1" dirty="0" err="1">
+                <a:solidFill>
+                  <a:srgbClr val="373A3C"/>
+                </a:solidFill>
+                <a:latin typeface="Times New Roman"/>
+                <a:ea typeface="+mn-lt"/>
+                <a:cs typeface="+mn-lt"/>
+              </a:rPr>
+              <a:t>gói</a:t>
+            </a:r>
+            <a:r>
+              <a:rPr lang="en-US" b="1" dirty="0">
+                <a:solidFill>
+                  <a:srgbClr val="373A3C"/>
+                </a:solidFill>
+                <a:latin typeface="Times New Roman"/>
+                <a:ea typeface="+mn-lt"/>
+                <a:cs typeface="+mn-lt"/>
+              </a:rPr>
+              <a:t>:</a:t>
+            </a:r>
+            <a:r>
+              <a:rPr lang="en-US" dirty="0">
+                <a:solidFill>
+                  <a:srgbClr val="373A3C"/>
+                </a:solidFill>
+                <a:latin typeface="Times New Roman"/>
+                <a:ea typeface="+mn-lt"/>
+                <a:cs typeface="+mn-lt"/>
+              </a:rPr>
+              <a:t> </a:t>
+            </a:r>
+            <a:r>
+              <a:rPr lang="en-US" dirty="0" err="1">
+                <a:solidFill>
+                  <a:srgbClr val="373A3C"/>
+                </a:solidFill>
+                <a:latin typeface="Times New Roman"/>
+                <a:ea typeface="+mn-lt"/>
+                <a:cs typeface="+mn-lt"/>
+              </a:rPr>
+              <a:t>Thêm</a:t>
+            </a:r>
+            <a:r>
+              <a:rPr lang="en-US" dirty="0">
+                <a:solidFill>
+                  <a:srgbClr val="373A3C"/>
+                </a:solidFill>
+                <a:latin typeface="Times New Roman"/>
+                <a:ea typeface="+mn-lt"/>
+                <a:cs typeface="+mn-lt"/>
+              </a:rPr>
+              <a:t> prefix </a:t>
+            </a:r>
+            <a:r>
+              <a:rPr lang="en-US" dirty="0" err="1">
+                <a:solidFill>
+                  <a:srgbClr val="373A3C"/>
+                </a:solidFill>
+                <a:latin typeface="Times New Roman"/>
+                <a:ea typeface="+mn-lt"/>
+                <a:cs typeface="+mn-lt"/>
+              </a:rPr>
+              <a:t>để</a:t>
+            </a:r>
+            <a:r>
+              <a:rPr lang="en-US" dirty="0">
+                <a:solidFill>
+                  <a:srgbClr val="373A3C"/>
+                </a:solidFill>
+                <a:latin typeface="Times New Roman"/>
+                <a:ea typeface="+mn-lt"/>
+                <a:cs typeface="+mn-lt"/>
+              </a:rPr>
+              <a:t> </a:t>
+            </a:r>
+            <a:r>
+              <a:rPr lang="en-US" dirty="0" err="1">
+                <a:solidFill>
+                  <a:srgbClr val="373A3C"/>
+                </a:solidFill>
+                <a:latin typeface="Times New Roman"/>
+                <a:ea typeface="+mn-lt"/>
+                <a:cs typeface="+mn-lt"/>
+              </a:rPr>
+              <a:t>định</a:t>
+            </a:r>
+            <a:r>
+              <a:rPr lang="en-US" dirty="0">
+                <a:solidFill>
+                  <a:srgbClr val="373A3C"/>
+                </a:solidFill>
+                <a:latin typeface="Times New Roman"/>
+                <a:ea typeface="+mn-lt"/>
+                <a:cs typeface="+mn-lt"/>
+              </a:rPr>
+              <a:t> </a:t>
+            </a:r>
+            <a:r>
+              <a:rPr lang="en-US" dirty="0" err="1">
+                <a:solidFill>
+                  <a:srgbClr val="373A3C"/>
+                </a:solidFill>
+                <a:latin typeface="Times New Roman"/>
+                <a:ea typeface="+mn-lt"/>
+                <a:cs typeface="+mn-lt"/>
+              </a:rPr>
+              <a:t>hướng</a:t>
+            </a:r>
+            <a:r>
+              <a:rPr lang="en-US" dirty="0">
+                <a:solidFill>
+                  <a:srgbClr val="373A3C"/>
+                </a:solidFill>
+                <a:latin typeface="Times New Roman"/>
+                <a:ea typeface="+mn-lt"/>
+                <a:cs typeface="+mn-lt"/>
+              </a:rPr>
+              <a:t> </a:t>
+            </a:r>
+            <a:r>
+              <a:rPr lang="en-US" dirty="0" err="1">
+                <a:solidFill>
+                  <a:srgbClr val="373A3C"/>
+                </a:solidFill>
+                <a:latin typeface="Times New Roman"/>
+                <a:ea typeface="+mn-lt"/>
+                <a:cs typeface="+mn-lt"/>
+              </a:rPr>
+              <a:t>mô</a:t>
+            </a:r>
+            <a:r>
+              <a:rPr lang="en-US" dirty="0">
+                <a:solidFill>
+                  <a:srgbClr val="373A3C"/>
+                </a:solidFill>
+                <a:latin typeface="Times New Roman"/>
+                <a:ea typeface="+mn-lt"/>
+                <a:cs typeface="+mn-lt"/>
+              </a:rPr>
+              <a:t> </a:t>
+            </a:r>
+            <a:r>
+              <a:rPr lang="en-US" dirty="0" err="1">
+                <a:solidFill>
+                  <a:srgbClr val="373A3C"/>
+                </a:solidFill>
+                <a:latin typeface="Times New Roman"/>
+                <a:ea typeface="+mn-lt"/>
+                <a:cs typeface="+mn-lt"/>
+              </a:rPr>
+              <a:t>hình</a:t>
+            </a:r>
+            <a:r>
+              <a:rPr lang="en-US" dirty="0">
+                <a:solidFill>
+                  <a:srgbClr val="373A3C"/>
+                </a:solidFill>
+                <a:latin typeface="Times New Roman"/>
+                <a:ea typeface="+mn-lt"/>
+                <a:cs typeface="+mn-lt"/>
+              </a:rPr>
+              <a:t>: "</a:t>
+            </a:r>
+            <a:r>
+              <a:rPr lang="en-US" dirty="0" err="1">
+                <a:solidFill>
+                  <a:srgbClr val="373A3C"/>
+                </a:solidFill>
+                <a:latin typeface="Times New Roman"/>
+                <a:ea typeface="+mn-lt"/>
+                <a:cs typeface="+mn-lt"/>
+              </a:rPr>
+              <a:t>Phân</a:t>
+            </a:r>
+            <a:r>
+              <a:rPr lang="en-US" dirty="0">
+                <a:solidFill>
+                  <a:srgbClr val="373A3C"/>
+                </a:solidFill>
+                <a:latin typeface="Times New Roman"/>
+                <a:ea typeface="+mn-lt"/>
+                <a:cs typeface="+mn-lt"/>
+              </a:rPr>
+              <a:t> </a:t>
+            </a:r>
+            <a:r>
+              <a:rPr lang="en-US" dirty="0" err="1">
+                <a:solidFill>
+                  <a:srgbClr val="373A3C"/>
+                </a:solidFill>
+                <a:latin typeface="Times New Roman"/>
+                <a:ea typeface="+mn-lt"/>
+                <a:cs typeface="+mn-lt"/>
+              </a:rPr>
+              <a:t>loại</a:t>
+            </a:r>
+            <a:r>
+              <a:rPr lang="en-US" dirty="0">
+                <a:solidFill>
+                  <a:srgbClr val="373A3C"/>
+                </a:solidFill>
+                <a:latin typeface="Times New Roman"/>
+                <a:ea typeface="+mn-lt"/>
+                <a:cs typeface="+mn-lt"/>
+              </a:rPr>
+              <a:t> </a:t>
+            </a:r>
+            <a:r>
+              <a:rPr lang="en-US" dirty="0" err="1">
+                <a:solidFill>
+                  <a:srgbClr val="373A3C"/>
+                </a:solidFill>
+                <a:latin typeface="Times New Roman"/>
+                <a:ea typeface="+mn-lt"/>
+                <a:cs typeface="+mn-lt"/>
+              </a:rPr>
+              <a:t>cảm</a:t>
+            </a:r>
+            <a:r>
+              <a:rPr lang="en-US" dirty="0">
+                <a:solidFill>
+                  <a:srgbClr val="373A3C"/>
+                </a:solidFill>
+                <a:latin typeface="Times New Roman"/>
+                <a:ea typeface="+mn-lt"/>
+                <a:cs typeface="+mn-lt"/>
+              </a:rPr>
+              <a:t> </a:t>
+            </a:r>
+            <a:r>
+              <a:rPr lang="en-US" dirty="0" err="1">
+                <a:solidFill>
+                  <a:srgbClr val="373A3C"/>
+                </a:solidFill>
+                <a:latin typeface="Times New Roman"/>
+                <a:ea typeface="+mn-lt"/>
+                <a:cs typeface="+mn-lt"/>
+              </a:rPr>
+              <a:t>xúc</a:t>
+            </a:r>
+            <a:r>
+              <a:rPr lang="en-US" dirty="0">
+                <a:solidFill>
+                  <a:srgbClr val="373A3C"/>
+                </a:solidFill>
+                <a:latin typeface="Times New Roman"/>
+                <a:ea typeface="+mn-lt"/>
+                <a:cs typeface="+mn-lt"/>
+              </a:rPr>
+              <a:t>: [</a:t>
+            </a:r>
+            <a:r>
+              <a:rPr lang="en-US" dirty="0" err="1">
+                <a:solidFill>
+                  <a:srgbClr val="373A3C"/>
+                </a:solidFill>
+                <a:latin typeface="Times New Roman"/>
+                <a:ea typeface="+mn-lt"/>
+                <a:cs typeface="+mn-lt"/>
+              </a:rPr>
+              <a:t>nội</a:t>
+            </a:r>
+            <a:r>
+              <a:rPr lang="en-US" dirty="0">
+                <a:solidFill>
+                  <a:srgbClr val="373A3C"/>
+                </a:solidFill>
+                <a:latin typeface="Times New Roman"/>
+                <a:ea typeface="+mn-lt"/>
+                <a:cs typeface="+mn-lt"/>
+              </a:rPr>
+              <a:t> dung </a:t>
+            </a:r>
+            <a:r>
+              <a:rPr lang="en-US" dirty="0" err="1">
+                <a:solidFill>
+                  <a:srgbClr val="373A3C"/>
+                </a:solidFill>
+                <a:latin typeface="Times New Roman"/>
+                <a:ea typeface="+mn-lt"/>
+                <a:cs typeface="+mn-lt"/>
+              </a:rPr>
+              <a:t>câu</a:t>
+            </a:r>
+            <a:r>
+              <a:rPr lang="en-US" dirty="0">
+                <a:solidFill>
+                  <a:srgbClr val="373A3C"/>
+                </a:solidFill>
+                <a:latin typeface="Times New Roman"/>
+                <a:ea typeface="+mn-lt"/>
+                <a:cs typeface="+mn-lt"/>
+              </a:rPr>
+              <a:t>]".</a:t>
+            </a:r>
+            <a:endParaRPr lang="en-US" dirty="0">
               <a:latin typeface="Times New Roman"/>
               <a:ea typeface="Calibri"/>
               <a:cs typeface="Calibri"/>
@@ -36422,28 +39139,127 @@
               <a:buChar char="o"/>
             </a:pPr>
             <a:r>
-              <a:rPr lang="en-US" b="1">
-                <a:solidFill>
-                  <a:srgbClr val="373A3C"/>
-                </a:solidFill>
-                <a:latin typeface="Times New Roman"/>
-                <a:ea typeface="+mn-lt"/>
-                <a:cs typeface="+mn-lt"/>
-              </a:rPr>
-              <a:t>Số lượng:</a:t>
-            </a:r>
-            <a:r>
-              <a:rPr lang="en-US">
-                <a:solidFill>
-                  <a:srgbClr val="373A3C"/>
-                </a:solidFill>
-                <a:latin typeface="Times New Roman"/>
-                <a:ea typeface="+mn-lt"/>
-                <a:cs typeface="+mn-lt"/>
-              </a:rPr>
-              <a:t> Train: 4.014 mẫu | Val: 999 mẫu | Test: 1.037 mẫu.</a:t>
-            </a:r>
-            <a:endParaRPr lang="en-US">
+              <a:rPr lang="en-US" b="1" dirty="0" err="1">
+                <a:solidFill>
+                  <a:srgbClr val="373A3C"/>
+                </a:solidFill>
+                <a:latin typeface="Times New Roman"/>
+                <a:ea typeface="+mn-lt"/>
+                <a:cs typeface="+mn-lt"/>
+              </a:rPr>
+              <a:t>Số</a:t>
+            </a:r>
+            <a:r>
+              <a:rPr lang="en-US" b="1" dirty="0">
+                <a:solidFill>
+                  <a:srgbClr val="373A3C"/>
+                </a:solidFill>
+                <a:latin typeface="Times New Roman"/>
+                <a:ea typeface="+mn-lt"/>
+                <a:cs typeface="+mn-lt"/>
+              </a:rPr>
+              <a:t> </a:t>
+            </a:r>
+            <a:r>
+              <a:rPr lang="en-US" b="1" dirty="0" err="1">
+                <a:solidFill>
+                  <a:srgbClr val="373A3C"/>
+                </a:solidFill>
+                <a:latin typeface="Times New Roman"/>
+                <a:ea typeface="+mn-lt"/>
+                <a:cs typeface="+mn-lt"/>
+              </a:rPr>
+              <a:t>lượng</a:t>
+            </a:r>
+            <a:r>
+              <a:rPr lang="en-US" b="1" dirty="0">
+                <a:solidFill>
+                  <a:srgbClr val="373A3C"/>
+                </a:solidFill>
+                <a:latin typeface="Times New Roman"/>
+                <a:ea typeface="+mn-lt"/>
+                <a:cs typeface="+mn-lt"/>
+              </a:rPr>
+              <a:t>:</a:t>
+            </a:r>
+            <a:r>
+              <a:rPr lang="en-US" dirty="0">
+                <a:solidFill>
+                  <a:srgbClr val="373A3C"/>
+                </a:solidFill>
+                <a:latin typeface="Times New Roman"/>
+                <a:ea typeface="+mn-lt"/>
+                <a:cs typeface="+mn-lt"/>
+              </a:rPr>
+              <a:t> Train: 4.014 </a:t>
+            </a:r>
+            <a:r>
+              <a:rPr lang="en-US" dirty="0" err="1">
+                <a:solidFill>
+                  <a:srgbClr val="373A3C"/>
+                </a:solidFill>
+                <a:latin typeface="Times New Roman"/>
+                <a:ea typeface="+mn-lt"/>
+                <a:cs typeface="+mn-lt"/>
+              </a:rPr>
+              <a:t>mẫu</a:t>
+            </a:r>
+            <a:r>
+              <a:rPr lang="en-US" dirty="0">
+                <a:solidFill>
+                  <a:srgbClr val="373A3C"/>
+                </a:solidFill>
+                <a:latin typeface="Times New Roman"/>
+                <a:ea typeface="+mn-lt"/>
+                <a:cs typeface="+mn-lt"/>
+              </a:rPr>
+              <a:t> | Val: 999 </a:t>
+            </a:r>
+            <a:r>
+              <a:rPr lang="en-US" dirty="0" err="1">
+                <a:solidFill>
+                  <a:srgbClr val="373A3C"/>
+                </a:solidFill>
+                <a:latin typeface="Times New Roman"/>
+                <a:ea typeface="+mn-lt"/>
+                <a:cs typeface="+mn-lt"/>
+              </a:rPr>
+              <a:t>mẫu</a:t>
+            </a:r>
+            <a:r>
+              <a:rPr lang="en-US" dirty="0">
+                <a:solidFill>
+                  <a:srgbClr val="373A3C"/>
+                </a:solidFill>
+                <a:latin typeface="Times New Roman"/>
+                <a:ea typeface="+mn-lt"/>
+                <a:cs typeface="+mn-lt"/>
+              </a:rPr>
+              <a:t> | Test: 1.037 </a:t>
+            </a:r>
+            <a:r>
+              <a:rPr lang="en-US" dirty="0" err="1">
+                <a:solidFill>
+                  <a:srgbClr val="373A3C"/>
+                </a:solidFill>
+                <a:latin typeface="Times New Roman"/>
+                <a:ea typeface="+mn-lt"/>
+                <a:cs typeface="+mn-lt"/>
+              </a:rPr>
+              <a:t>mẫu</a:t>
+            </a:r>
+            <a:r>
+              <a:rPr lang="en-US" dirty="0">
+                <a:solidFill>
+                  <a:srgbClr val="373A3C"/>
+                </a:solidFill>
+                <a:latin typeface="Times New Roman"/>
+                <a:ea typeface="+mn-lt"/>
+                <a:cs typeface="+mn-lt"/>
+              </a:rPr>
+              <a:t>.</a:t>
+            </a:r>
+            <a:endParaRPr lang="en-US" dirty="0">
               <a:latin typeface="Times New Roman"/>
               <a:ea typeface="Calibri"/>
               <a:cs typeface="Calibri"/>
@@ -36454,7 +39270,7 @@
               <a:buFont typeface="Arial"/>
               <a:buChar char="•"/>
             </a:pPr>
-            <a:endParaRPr lang="en-US" sz="2400" b="1">
+            <a:endParaRPr lang="en-US" sz="2400" b="1" dirty="0">
               <a:solidFill>
                 <a:srgbClr val="373A3C"/>
               </a:solidFill>
@@ -36468,7 +39284,7 @@
               <a:buFont typeface="Arial"/>
               <a:buChar char="•"/>
             </a:pPr>
-            <a:endParaRPr lang="en-US" sz="2400" b="1">
+            <a:endParaRPr lang="en-US" sz="2400" b="1" dirty="0">
               <a:solidFill>
                 <a:srgbClr val="373A3C"/>
               </a:solidFill>
@@ -36482,7 +39298,7 @@
               <a:buFont typeface="Arial"/>
               <a:buChar char="•"/>
             </a:pPr>
-            <a:endParaRPr lang="en-US" sz="2400">
+            <a:endParaRPr lang="en-US" sz="2400" dirty="0">
               <a:solidFill>
                 <a:srgbClr val="373A3C"/>
               </a:solidFill>
@@ -36495,7 +39311,7 @@
             <a:pPr marL="0" indent="0">
               <a:buNone/>
             </a:pPr>
-            <a:endParaRPr lang="en-US" sz="2400">
+            <a:endParaRPr lang="en-US" sz="2400" dirty="0">
               <a:solidFill>
                 <a:srgbClr val="373A3C"/>
               </a:solidFill>
@@ -40101,17 +42917,39 @@
               <a:buChar char="•"/>
             </a:pPr>
             <a:r>
-              <a:rPr lang="en-US" sz="2400" b="1">
-                <a:solidFill>
-                  <a:srgbClr val="373A3C"/>
-                </a:solidFill>
-                <a:latin typeface="Times New Roman"/>
-                <a:ea typeface="+mn-lt"/>
-                <a:cs typeface="+mn-lt"/>
-              </a:rPr>
-              <a:t>Phương pháp:</a:t>
-            </a:r>
-            <a:endParaRPr lang="en-US" sz="2400">
+              <a:rPr lang="en-US" sz="2400" b="1" dirty="0">
+                <a:solidFill>
+                  <a:srgbClr val="373A3C"/>
+                </a:solidFill>
+                <a:latin typeface="Times New Roman"/>
+                <a:ea typeface="+mn-lt"/>
+                <a:cs typeface="+mn-lt"/>
+              </a:rPr>
+              <a:t>Phương </a:t>
+            </a:r>
+            <a:r>
+              <a:rPr lang="en-US" sz="2400" b="1" dirty="0" err="1">
+                <a:solidFill>
+                  <a:srgbClr val="373A3C"/>
+                </a:solidFill>
+                <a:latin typeface="Times New Roman"/>
+                <a:ea typeface="+mn-lt"/>
+                <a:cs typeface="+mn-lt"/>
+              </a:rPr>
+              <a:t>pháp</a:t>
+            </a:r>
+            <a:r>
+              <a:rPr lang="en-US" sz="2400" b="1" dirty="0">
+                <a:solidFill>
+                  <a:srgbClr val="373A3C"/>
+                </a:solidFill>
+                <a:latin typeface="Times New Roman"/>
+                <a:ea typeface="+mn-lt"/>
+                <a:cs typeface="+mn-lt"/>
+              </a:rPr>
+              <a:t>:</a:t>
+            </a:r>
+            <a:endParaRPr lang="en-US" sz="2400" dirty="0">
               <a:solidFill>
                 <a:srgbClr val="373A3C"/>
               </a:solidFill>
@@ -40126,18 +42964,51 @@
               <a:buChar char="o"/>
             </a:pPr>
             <a:r>
-              <a:rPr lang="en-US">
-                <a:solidFill>
-                  <a:srgbClr val="373A3C"/>
-                </a:solidFill>
-                <a:latin typeface="Times New Roman"/>
-                <a:ea typeface="+mn-lt"/>
-                <a:cs typeface="+mn-lt"/>
-              </a:rPr>
-              <a:t>Sử dụng </a:t>
-            </a:r>
-            <a:r>
-              <a:rPr lang="en-US" b="1">
+              <a:rPr lang="en-US" dirty="0" err="1">
+                <a:solidFill>
+                  <a:srgbClr val="373A3C"/>
+                </a:solidFill>
+                <a:latin typeface="Times New Roman"/>
+                <a:ea typeface="+mn-lt"/>
+                <a:cs typeface="+mn-lt"/>
+              </a:rPr>
+              <a:t>Sử</a:t>
+            </a:r>
+            <a:r>
+              <a:rPr lang="en-US" dirty="0">
+                <a:solidFill>
+                  <a:srgbClr val="373A3C"/>
+                </a:solidFill>
+                <a:latin typeface="Times New Roman"/>
+                <a:ea typeface="+mn-lt"/>
+                <a:cs typeface="+mn-lt"/>
+              </a:rPr>
+              <a:t> </a:t>
+            </a:r>
+            <a:r>
+              <a:rPr lang="en-US" dirty="0" err="1">
+                <a:solidFill>
+                  <a:srgbClr val="373A3C"/>
+                </a:solidFill>
+                <a:latin typeface="Times New Roman"/>
+                <a:ea typeface="+mn-lt"/>
+                <a:cs typeface="+mn-lt"/>
+              </a:rPr>
+              <a:t>dụng</a:t>
+            </a:r>
+            <a:r>
+              <a:rPr lang="en-US" dirty="0">
+                <a:solidFill>
+                  <a:srgbClr val="373A3C"/>
+                </a:solidFill>
+                <a:latin typeface="Times New Roman"/>
+                <a:ea typeface="+mn-lt"/>
+                <a:cs typeface="+mn-lt"/>
+              </a:rPr>
+              <a:t> </a:t>
+            </a:r>
+            <a:r>
+              <a:rPr lang="en-US" b="1" dirty="0">
                 <a:solidFill>
                   <a:srgbClr val="373A3C"/>
                 </a:solidFill>
@@ -40148,17 +43019,83 @@
               <a:t>Gemini 2.5 Pro</a:t>
             </a:r>
             <a:r>
-              <a:rPr lang="en-US">
-                <a:solidFill>
-                  <a:srgbClr val="373A3C"/>
-                </a:solidFill>
-                <a:latin typeface="Times New Roman"/>
-                <a:ea typeface="+mn-lt"/>
-                <a:cs typeface="+mn-lt"/>
-              </a:rPr>
-              <a:t> làm giám khảo.</a:t>
-            </a:r>
-            <a:endParaRPr lang="en-US">
+              <a:rPr lang="en-US" dirty="0">
+                <a:solidFill>
+                  <a:srgbClr val="373A3C"/>
+                </a:solidFill>
+                <a:latin typeface="Times New Roman"/>
+                <a:ea typeface="+mn-lt"/>
+                <a:cs typeface="+mn-lt"/>
+              </a:rPr>
+              <a:t> </a:t>
+            </a:r>
+            <a:r>
+              <a:rPr lang="en-US" dirty="0" err="1">
+                <a:solidFill>
+                  <a:srgbClr val="373A3C"/>
+                </a:solidFill>
+                <a:latin typeface="Times New Roman"/>
+                <a:ea typeface="+mn-lt"/>
+                <a:cs typeface="+mn-lt"/>
+              </a:rPr>
+              <a:t>làm</a:t>
+            </a:r>
+            <a:r>
+              <a:rPr lang="en-US" dirty="0">
+                <a:solidFill>
+                  <a:srgbClr val="373A3C"/>
+                </a:solidFill>
+                <a:latin typeface="Times New Roman"/>
+                <a:ea typeface="+mn-lt"/>
+                <a:cs typeface="+mn-lt"/>
+              </a:rPr>
+              <a:t> </a:t>
+            </a:r>
+            <a:r>
+              <a:rPr lang="en-US" dirty="0" err="1">
+                <a:solidFill>
+                  <a:srgbClr val="373A3C"/>
+                </a:solidFill>
+                <a:latin typeface="Times New Roman"/>
+                <a:ea typeface="+mn-lt"/>
+                <a:cs typeface="+mn-lt"/>
+              </a:rPr>
+              <a:t>giám</a:t>
+            </a:r>
+            <a:r>
+              <a:rPr lang="en-US" dirty="0">
+                <a:solidFill>
+                  <a:srgbClr val="373A3C"/>
+                </a:solidFill>
+                <a:latin typeface="Times New Roman"/>
+                <a:ea typeface="+mn-lt"/>
+                <a:cs typeface="+mn-lt"/>
+              </a:rPr>
+              <a:t> </a:t>
+            </a:r>
+            <a:r>
+              <a:rPr lang="en-US" dirty="0" err="1">
+                <a:solidFill>
+                  <a:srgbClr val="373A3C"/>
+                </a:solidFill>
+                <a:latin typeface="Times New Roman"/>
+                <a:ea typeface="+mn-lt"/>
+                <a:cs typeface="+mn-lt"/>
+              </a:rPr>
+              <a:t>khảo</a:t>
+            </a:r>
+            <a:r>
+              <a:rPr lang="en-US" dirty="0">
+                <a:solidFill>
+                  <a:srgbClr val="373A3C"/>
+                </a:solidFill>
+                <a:latin typeface="Times New Roman"/>
+                <a:ea typeface="+mn-lt"/>
+                <a:cs typeface="+mn-lt"/>
+              </a:rPr>
+              <a:t>.</a:t>
+            </a:r>
+            <a:endParaRPr lang="en-US" dirty="0">
               <a:latin typeface="Times New Roman"/>
               <a:cs typeface="Times New Roman"/>
             </a:endParaRPr>
@@ -40169,17 +43106,127 @@
               <a:buChar char="o"/>
             </a:pPr>
             <a:r>
-              <a:rPr lang="en-US">
-                <a:solidFill>
-                  <a:srgbClr val="373A3C"/>
-                </a:solidFill>
-                <a:latin typeface="Times New Roman"/>
-                <a:ea typeface="+mn-lt"/>
-                <a:cs typeface="+mn-lt"/>
-              </a:rPr>
-              <a:t>Cung cấp: Input câu gốc + Nhãn thực + Output Baseline + Output Augmented.</a:t>
-            </a:r>
-            <a:endParaRPr lang="en-US">
+              <a:rPr lang="en-US" dirty="0">
+                <a:solidFill>
+                  <a:srgbClr val="373A3C"/>
+                </a:solidFill>
+                <a:latin typeface="Times New Roman"/>
+                <a:ea typeface="+mn-lt"/>
+                <a:cs typeface="+mn-lt"/>
+              </a:rPr>
+              <a:t>Cung </a:t>
+            </a:r>
+            <a:r>
+              <a:rPr lang="en-US" dirty="0" err="1">
+                <a:solidFill>
+                  <a:srgbClr val="373A3C"/>
+                </a:solidFill>
+                <a:latin typeface="Times New Roman"/>
+                <a:ea typeface="+mn-lt"/>
+                <a:cs typeface="+mn-lt"/>
+              </a:rPr>
+              <a:t>cấp</a:t>
+            </a:r>
+            <a:r>
+              <a:rPr lang="en-US" dirty="0">
+                <a:solidFill>
+                  <a:srgbClr val="373A3C"/>
+                </a:solidFill>
+                <a:latin typeface="Times New Roman"/>
+                <a:ea typeface="+mn-lt"/>
+                <a:cs typeface="+mn-lt"/>
+              </a:rPr>
+              <a:t>: Input </a:t>
+            </a:r>
+            <a:r>
+              <a:rPr lang="en-US" dirty="0" err="1">
+                <a:solidFill>
+                  <a:srgbClr val="373A3C"/>
+                </a:solidFill>
+                <a:latin typeface="Times New Roman"/>
+                <a:ea typeface="+mn-lt"/>
+                <a:cs typeface="+mn-lt"/>
+              </a:rPr>
+              <a:t>câu</a:t>
+            </a:r>
+            <a:r>
+              <a:rPr lang="en-US" dirty="0">
+                <a:solidFill>
+                  <a:srgbClr val="373A3C"/>
+                </a:solidFill>
+                <a:latin typeface="Times New Roman"/>
+                <a:ea typeface="+mn-lt"/>
+                <a:cs typeface="+mn-lt"/>
+              </a:rPr>
+              <a:t> </a:t>
+            </a:r>
+            <a:r>
+              <a:rPr lang="en-US" dirty="0" err="1">
+                <a:solidFill>
+                  <a:srgbClr val="373A3C"/>
+                </a:solidFill>
+                <a:latin typeface="Times New Roman"/>
+                <a:ea typeface="+mn-lt"/>
+                <a:cs typeface="+mn-lt"/>
+              </a:rPr>
+              <a:t>gốc</a:t>
+            </a:r>
+            <a:r>
+              <a:rPr lang="en-US" dirty="0">
+                <a:solidFill>
+                  <a:srgbClr val="373A3C"/>
+                </a:solidFill>
+                <a:latin typeface="Times New Roman"/>
+                <a:ea typeface="+mn-lt"/>
+                <a:cs typeface="+mn-lt"/>
+              </a:rPr>
+              <a:t> + </a:t>
+            </a:r>
+            <a:r>
+              <a:rPr lang="en-US" dirty="0" err="1">
+                <a:solidFill>
+                  <a:srgbClr val="373A3C"/>
+                </a:solidFill>
+                <a:latin typeface="Times New Roman"/>
+                <a:ea typeface="+mn-lt"/>
+                <a:cs typeface="+mn-lt"/>
+              </a:rPr>
+              <a:t>Nhãn</a:t>
+            </a:r>
+            <a:r>
+              <a:rPr lang="en-US" dirty="0">
+                <a:solidFill>
+                  <a:srgbClr val="373A3C"/>
+                </a:solidFill>
+                <a:latin typeface="Times New Roman"/>
+                <a:ea typeface="+mn-lt"/>
+                <a:cs typeface="+mn-lt"/>
+              </a:rPr>
+              <a:t> </a:t>
+            </a:r>
+            <a:r>
+              <a:rPr lang="en-US" dirty="0" err="1">
+                <a:solidFill>
+                  <a:srgbClr val="373A3C"/>
+                </a:solidFill>
+                <a:latin typeface="Times New Roman"/>
+                <a:ea typeface="+mn-lt"/>
+                <a:cs typeface="+mn-lt"/>
+              </a:rPr>
+              <a:t>thực</a:t>
+            </a:r>
+            <a:r>
+              <a:rPr lang="en-US" dirty="0">
+                <a:solidFill>
+                  <a:srgbClr val="373A3C"/>
+                </a:solidFill>
+                <a:latin typeface="Times New Roman"/>
+                <a:ea typeface="+mn-lt"/>
+                <a:cs typeface="+mn-lt"/>
+              </a:rPr>
+              <a:t> + Output Baseline + Output Augmented.</a:t>
+            </a:r>
+            <a:endParaRPr lang="en-US" dirty="0">
               <a:latin typeface="Times New Roman"/>
               <a:cs typeface="Times New Roman"/>
             </a:endParaRPr>
@@ -40190,17 +43237,314 @@
               <a:buChar char="o"/>
             </a:pPr>
             <a:r>
-              <a:rPr lang="en-US">
-                <a:solidFill>
-                  <a:srgbClr val="373A3C"/>
-                </a:solidFill>
-                <a:latin typeface="Times New Roman"/>
-                <a:ea typeface="+mn-lt"/>
-                <a:cs typeface="+mn-lt"/>
-              </a:rPr>
-              <a:t>Yêu cầu LLM phân tích nguyên nhân lỗi và so sánh tư duy của 2 mô hình.</a:t>
-            </a:r>
-            <a:endParaRPr lang="en-US">
+              <a:rPr lang="en-US" dirty="0" err="1">
+                <a:solidFill>
+                  <a:srgbClr val="373A3C"/>
+                </a:solidFill>
+                <a:latin typeface="Times New Roman"/>
+                <a:ea typeface="+mn-lt"/>
+                <a:cs typeface="+mn-lt"/>
+              </a:rPr>
+              <a:t>Yêu</a:t>
+            </a:r>
+            <a:r>
+              <a:rPr lang="en-US" dirty="0">
+                <a:solidFill>
+                  <a:srgbClr val="373A3C"/>
+                </a:solidFill>
+                <a:latin typeface="Times New Roman"/>
+                <a:ea typeface="+mn-lt"/>
+                <a:cs typeface="+mn-lt"/>
+              </a:rPr>
+              <a:t> </a:t>
+            </a:r>
+            <a:r>
+              <a:rPr lang="en-US" dirty="0" err="1">
+                <a:solidFill>
+                  <a:srgbClr val="373A3C"/>
+                </a:solidFill>
+                <a:latin typeface="Times New Roman"/>
+                <a:ea typeface="+mn-lt"/>
+                <a:cs typeface="+mn-lt"/>
+              </a:rPr>
+              <a:t>cầu</a:t>
+            </a:r>
+            <a:r>
+              <a:rPr lang="en-US" dirty="0">
+                <a:solidFill>
+                  <a:srgbClr val="373A3C"/>
+                </a:solidFill>
+                <a:latin typeface="Times New Roman"/>
+                <a:ea typeface="+mn-lt"/>
+                <a:cs typeface="+mn-lt"/>
+              </a:rPr>
+              <a:t> LLM </a:t>
+            </a:r>
+            <a:r>
+              <a:rPr lang="en-US" dirty="0" err="1">
+                <a:solidFill>
+                  <a:srgbClr val="373A3C"/>
+                </a:solidFill>
+                <a:latin typeface="Times New Roman"/>
+                <a:ea typeface="+mn-lt"/>
+                <a:cs typeface="+mn-lt"/>
+              </a:rPr>
+              <a:t>phân</a:t>
+            </a:r>
+            <a:r>
+              <a:rPr lang="en-US" dirty="0">
+                <a:solidFill>
+                  <a:srgbClr val="373A3C"/>
+                </a:solidFill>
+                <a:latin typeface="Times New Roman"/>
+                <a:ea typeface="+mn-lt"/>
+                <a:cs typeface="+mn-lt"/>
+              </a:rPr>
+              <a:t> </a:t>
+            </a:r>
+            <a:r>
+              <a:rPr lang="en-US" dirty="0" err="1">
+                <a:solidFill>
+                  <a:srgbClr val="373A3C"/>
+                </a:solidFill>
+                <a:latin typeface="Times New Roman"/>
+                <a:ea typeface="+mn-lt"/>
+                <a:cs typeface="+mn-lt"/>
+              </a:rPr>
+              <a:t>tích</a:t>
+            </a:r>
+            <a:r>
+              <a:rPr lang="en-US" dirty="0">
+                <a:solidFill>
+                  <a:srgbClr val="373A3C"/>
+                </a:solidFill>
+                <a:latin typeface="Times New Roman"/>
+                <a:ea typeface="+mn-lt"/>
+                <a:cs typeface="+mn-lt"/>
+              </a:rPr>
+              <a:t> </a:t>
+            </a:r>
+            <a:r>
+              <a:rPr lang="en-US" dirty="0" err="1">
+                <a:solidFill>
+                  <a:srgbClr val="373A3C"/>
+                </a:solidFill>
+                <a:latin typeface="Times New Roman"/>
+                <a:ea typeface="+mn-lt"/>
+                <a:cs typeface="+mn-lt"/>
+              </a:rPr>
+              <a:t>nguyên</a:t>
+            </a:r>
+            <a:r>
+              <a:rPr lang="en-US" dirty="0">
+                <a:solidFill>
+                  <a:srgbClr val="373A3C"/>
+                </a:solidFill>
+                <a:latin typeface="Times New Roman"/>
+                <a:ea typeface="+mn-lt"/>
+                <a:cs typeface="+mn-lt"/>
+              </a:rPr>
+              <a:t> </a:t>
+            </a:r>
+            <a:r>
+              <a:rPr lang="en-US" dirty="0" err="1">
+                <a:solidFill>
+                  <a:srgbClr val="373A3C"/>
+                </a:solidFill>
+                <a:latin typeface="Times New Roman"/>
+                <a:ea typeface="+mn-lt"/>
+                <a:cs typeface="+mn-lt"/>
+              </a:rPr>
+              <a:t>nhân</a:t>
+            </a:r>
+            <a:r>
+              <a:rPr lang="en-US" dirty="0">
+                <a:solidFill>
+                  <a:srgbClr val="373A3C"/>
+                </a:solidFill>
+                <a:latin typeface="Times New Roman"/>
+                <a:ea typeface="+mn-lt"/>
+                <a:cs typeface="+mn-lt"/>
+              </a:rPr>
+              <a:t> </a:t>
+            </a:r>
+            <a:r>
+              <a:rPr lang="en-US" dirty="0" err="1">
+                <a:solidFill>
+                  <a:srgbClr val="373A3C"/>
+                </a:solidFill>
+                <a:latin typeface="Times New Roman"/>
+                <a:ea typeface="+mn-lt"/>
+                <a:cs typeface="+mn-lt"/>
+              </a:rPr>
+              <a:t>lỗi</a:t>
+            </a:r>
+            <a:r>
+              <a:rPr lang="en-US" dirty="0">
+                <a:solidFill>
+                  <a:srgbClr val="373A3C"/>
+                </a:solidFill>
+                <a:latin typeface="Times New Roman"/>
+                <a:ea typeface="+mn-lt"/>
+                <a:cs typeface="+mn-lt"/>
+              </a:rPr>
+              <a:t> </a:t>
+            </a:r>
+            <a:r>
+              <a:rPr lang="en-US" dirty="0" err="1">
+                <a:solidFill>
+                  <a:srgbClr val="373A3C"/>
+                </a:solidFill>
+                <a:latin typeface="Times New Roman"/>
+                <a:ea typeface="+mn-lt"/>
+                <a:cs typeface="+mn-lt"/>
+              </a:rPr>
+              <a:t>và</a:t>
+            </a:r>
+            <a:r>
+              <a:rPr lang="en-US" dirty="0">
+                <a:solidFill>
+                  <a:srgbClr val="373A3C"/>
+                </a:solidFill>
+                <a:latin typeface="Times New Roman"/>
+                <a:ea typeface="+mn-lt"/>
+                <a:cs typeface="+mn-lt"/>
+              </a:rPr>
+              <a:t> so </a:t>
+            </a:r>
+            <a:r>
+              <a:rPr lang="en-US" dirty="0" err="1">
+                <a:solidFill>
+                  <a:srgbClr val="373A3C"/>
+                </a:solidFill>
+                <a:latin typeface="Times New Roman"/>
+                <a:ea typeface="+mn-lt"/>
+                <a:cs typeface="+mn-lt"/>
+              </a:rPr>
+              <a:t>sánh</a:t>
+            </a:r>
+            <a:r>
+              <a:rPr lang="en-US" dirty="0">
+                <a:solidFill>
+                  <a:srgbClr val="373A3C"/>
+                </a:solidFill>
+                <a:latin typeface="Times New Roman"/>
+                <a:ea typeface="+mn-lt"/>
+                <a:cs typeface="+mn-lt"/>
+              </a:rPr>
+              <a:t> </a:t>
+            </a:r>
+            <a:r>
+              <a:rPr lang="en-US" dirty="0" err="1">
+                <a:solidFill>
+                  <a:srgbClr val="373A3C"/>
+                </a:solidFill>
+                <a:latin typeface="Times New Roman"/>
+                <a:ea typeface="+mn-lt"/>
+                <a:cs typeface="+mn-lt"/>
+              </a:rPr>
+              <a:t>tư</a:t>
+            </a:r>
+            <a:r>
+              <a:rPr lang="en-US" dirty="0">
+                <a:solidFill>
+                  <a:srgbClr val="373A3C"/>
+                </a:solidFill>
+                <a:latin typeface="Times New Roman"/>
+                <a:ea typeface="+mn-lt"/>
+                <a:cs typeface="+mn-lt"/>
+              </a:rPr>
+              <a:t> </a:t>
+            </a:r>
+            <a:r>
+              <a:rPr lang="en-US" dirty="0" err="1">
+                <a:solidFill>
+                  <a:srgbClr val="373A3C"/>
+                </a:solidFill>
+                <a:latin typeface="Times New Roman"/>
+                <a:ea typeface="+mn-lt"/>
+                <a:cs typeface="+mn-lt"/>
+              </a:rPr>
+              <a:t>duy</a:t>
+            </a:r>
+            <a:r>
+              <a:rPr lang="en-US" dirty="0">
+                <a:solidFill>
+                  <a:srgbClr val="373A3C"/>
+                </a:solidFill>
+                <a:latin typeface="Times New Roman"/>
+                <a:ea typeface="+mn-lt"/>
+                <a:cs typeface="+mn-lt"/>
+              </a:rPr>
+              <a:t> </a:t>
+            </a:r>
+            <a:r>
+              <a:rPr lang="en-US" dirty="0" err="1">
+                <a:solidFill>
+                  <a:srgbClr val="373A3C"/>
+                </a:solidFill>
+                <a:latin typeface="Times New Roman"/>
+                <a:ea typeface="+mn-lt"/>
+                <a:cs typeface="+mn-lt"/>
+              </a:rPr>
+              <a:t>của</a:t>
+            </a:r>
+            <a:r>
+              <a:rPr lang="en-US" dirty="0">
+                <a:solidFill>
+                  <a:srgbClr val="373A3C"/>
+                </a:solidFill>
+                <a:latin typeface="Times New Roman"/>
+                <a:ea typeface="+mn-lt"/>
+                <a:cs typeface="+mn-lt"/>
+              </a:rPr>
+              <a:t> 2 </a:t>
+            </a:r>
+            <a:r>
+              <a:rPr lang="en-US" dirty="0" err="1">
+                <a:solidFill>
+                  <a:srgbClr val="373A3C"/>
+                </a:solidFill>
+                <a:latin typeface="Times New Roman"/>
+                <a:ea typeface="+mn-lt"/>
+                <a:cs typeface="+mn-lt"/>
+              </a:rPr>
+              <a:t>mô</a:t>
+            </a:r>
+            <a:r>
+              <a:rPr lang="en-US" dirty="0">
+                <a:solidFill>
+                  <a:srgbClr val="373A3C"/>
+                </a:solidFill>
+                <a:latin typeface="Times New Roman"/>
+                <a:ea typeface="+mn-lt"/>
+                <a:cs typeface="+mn-lt"/>
+              </a:rPr>
+              <a:t> </a:t>
+            </a:r>
+            <a:r>
+              <a:rPr lang="en-US" dirty="0" err="1">
+                <a:solidFill>
+                  <a:srgbClr val="373A3C"/>
+                </a:solidFill>
+                <a:latin typeface="Times New Roman"/>
+                <a:ea typeface="+mn-lt"/>
+                <a:cs typeface="+mn-lt"/>
+              </a:rPr>
+              <a:t>hình</a:t>
+            </a:r>
+            <a:r>
+              <a:rPr lang="en-US" dirty="0">
+                <a:solidFill>
+                  <a:srgbClr val="373A3C"/>
+                </a:solidFill>
+                <a:latin typeface="Times New Roman"/>
+                <a:ea typeface="+mn-lt"/>
+                <a:cs typeface="+mn-lt"/>
+              </a:rPr>
+              <a:t>.</a:t>
+            </a:r>
+            <a:endParaRPr lang="en-US" dirty="0">
               <a:latin typeface="Times New Roman"/>
               <a:cs typeface="Times New Roman"/>
             </a:endParaRPr>
@@ -40211,17 +43555,94 @@
               <a:buChar char="•"/>
             </a:pPr>
             <a:r>
-              <a:rPr lang="en-US" sz="2400" b="1">
-                <a:solidFill>
-                  <a:srgbClr val="373A3C"/>
-                </a:solidFill>
-                <a:latin typeface="Times New Roman"/>
-                <a:ea typeface="+mn-lt"/>
-                <a:cs typeface="+mn-lt"/>
-              </a:rPr>
-              <a:t>Phân loại trường hợp:</a:t>
-            </a:r>
-            <a:endParaRPr lang="en-US" sz="2400">
+              <a:rPr lang="en-US" sz="2400" b="1" dirty="0" err="1">
+                <a:solidFill>
+                  <a:srgbClr val="373A3C"/>
+                </a:solidFill>
+                <a:latin typeface="Times New Roman"/>
+                <a:ea typeface="+mn-lt"/>
+                <a:cs typeface="+mn-lt"/>
+              </a:rPr>
+              <a:t>Phân</a:t>
+            </a:r>
+            <a:r>
+              <a:rPr lang="en-US" sz="2400" b="1" dirty="0">
+                <a:solidFill>
+                  <a:srgbClr val="373A3C"/>
+                </a:solidFill>
+                <a:latin typeface="Times New Roman"/>
+                <a:ea typeface="+mn-lt"/>
+                <a:cs typeface="+mn-lt"/>
+              </a:rPr>
+              <a:t> </a:t>
+            </a:r>
+            <a:r>
+              <a:rPr lang="en-US" sz="2400" b="1" dirty="0" err="1">
+                <a:solidFill>
+                  <a:srgbClr val="373A3C"/>
+                </a:solidFill>
+                <a:latin typeface="Times New Roman"/>
+                <a:ea typeface="+mn-lt"/>
+                <a:cs typeface="+mn-lt"/>
+              </a:rPr>
+              <a:t>loại</a:t>
+            </a:r>
+            <a:r>
+              <a:rPr lang="en-US" sz="2400" b="1" dirty="0">
+                <a:solidFill>
+                  <a:srgbClr val="373A3C"/>
+                </a:solidFill>
+                <a:latin typeface="Times New Roman"/>
+                <a:ea typeface="+mn-lt"/>
+                <a:cs typeface="+mn-lt"/>
+              </a:rPr>
+              <a:t> </a:t>
+            </a:r>
+            <a:r>
+              <a:rPr lang="en-US" sz="2400" b="1" dirty="0" err="1">
+                <a:solidFill>
+                  <a:srgbClr val="373A3C"/>
+                </a:solidFill>
+                <a:latin typeface="Times New Roman"/>
+                <a:ea typeface="+mn-lt"/>
+                <a:cs typeface="+mn-lt"/>
+              </a:rPr>
+              <a:t>trường</a:t>
+            </a:r>
+            <a:r>
+              <a:rPr lang="en-US" sz="2400" b="1" dirty="0">
+                <a:solidFill>
+                  <a:srgbClr val="373A3C"/>
+                </a:solidFill>
+                <a:latin typeface="Times New Roman"/>
+                <a:ea typeface="+mn-lt"/>
+                <a:cs typeface="+mn-lt"/>
+              </a:rPr>
+              <a:t> </a:t>
+            </a:r>
+            <a:r>
+              <a:rPr lang="en-US" sz="2400" b="1" dirty="0" err="1">
+                <a:solidFill>
+                  <a:srgbClr val="373A3C"/>
+                </a:solidFill>
+                <a:latin typeface="Times New Roman"/>
+                <a:ea typeface="+mn-lt"/>
+                <a:cs typeface="+mn-lt"/>
+              </a:rPr>
+              <a:t>hợp</a:t>
+            </a:r>
+            <a:r>
+              <a:rPr lang="en-US" sz="2400" b="1" dirty="0">
+                <a:solidFill>
+                  <a:srgbClr val="373A3C"/>
+                </a:solidFill>
+                <a:latin typeface="Times New Roman"/>
+                <a:ea typeface="+mn-lt"/>
+                <a:cs typeface="+mn-lt"/>
+              </a:rPr>
+              <a:t>:</a:t>
+            </a:r>
+            <a:endParaRPr lang="en-US" sz="2400" dirty="0">
               <a:latin typeface="Times New Roman"/>
               <a:cs typeface="Times New Roman"/>
             </a:endParaRPr>
@@ -40232,17 +43653,127 @@
               <a:buChar char="o"/>
             </a:pPr>
             <a:r>
-              <a:rPr lang="en-US">
-                <a:solidFill>
-                  <a:srgbClr val="373A3C"/>
-                </a:solidFill>
-                <a:latin typeface="Times New Roman"/>
-                <a:ea typeface="+mn-lt"/>
-                <a:cs typeface="+mn-lt"/>
-              </a:rPr>
-              <a:t>Synthetic giúp sửa lỗi (Baseline sai $\to$ Augmented đúng).</a:t>
-            </a:r>
-            <a:endParaRPr lang="en-US">
+              <a:rPr lang="en-US" dirty="0">
+                <a:solidFill>
+                  <a:srgbClr val="373A3C"/>
+                </a:solidFill>
+                <a:latin typeface="Times New Roman"/>
+                <a:ea typeface="+mn-lt"/>
+                <a:cs typeface="+mn-lt"/>
+              </a:rPr>
+              <a:t>Synthetic </a:t>
+            </a:r>
+            <a:r>
+              <a:rPr lang="en-US" dirty="0" err="1">
+                <a:solidFill>
+                  <a:srgbClr val="373A3C"/>
+                </a:solidFill>
+                <a:latin typeface="Times New Roman"/>
+                <a:ea typeface="+mn-lt"/>
+                <a:cs typeface="+mn-lt"/>
+              </a:rPr>
+              <a:t>giúp</a:t>
+            </a:r>
+            <a:r>
+              <a:rPr lang="en-US" dirty="0">
+                <a:solidFill>
+                  <a:srgbClr val="373A3C"/>
+                </a:solidFill>
+                <a:latin typeface="Times New Roman"/>
+                <a:ea typeface="+mn-lt"/>
+                <a:cs typeface="+mn-lt"/>
+              </a:rPr>
+              <a:t> </a:t>
+            </a:r>
+            <a:r>
+              <a:rPr lang="en-US" dirty="0" err="1">
+                <a:solidFill>
+                  <a:srgbClr val="373A3C"/>
+                </a:solidFill>
+                <a:latin typeface="Times New Roman"/>
+                <a:ea typeface="+mn-lt"/>
+                <a:cs typeface="+mn-lt"/>
+              </a:rPr>
+              <a:t>sửa</a:t>
+            </a:r>
+            <a:r>
+              <a:rPr lang="en-US" dirty="0">
+                <a:solidFill>
+                  <a:srgbClr val="373A3C"/>
+                </a:solidFill>
+                <a:latin typeface="Times New Roman"/>
+                <a:ea typeface="+mn-lt"/>
+                <a:cs typeface="+mn-lt"/>
+              </a:rPr>
+              <a:t> </a:t>
+            </a:r>
+            <a:r>
+              <a:rPr lang="en-US" dirty="0" err="1">
+                <a:solidFill>
+                  <a:srgbClr val="373A3C"/>
+                </a:solidFill>
+                <a:latin typeface="Times New Roman"/>
+                <a:ea typeface="+mn-lt"/>
+                <a:cs typeface="+mn-lt"/>
+              </a:rPr>
+              <a:t>lỗi</a:t>
+            </a:r>
+            <a:r>
+              <a:rPr lang="en-US" dirty="0">
+                <a:solidFill>
+                  <a:srgbClr val="373A3C"/>
+                </a:solidFill>
+                <a:latin typeface="Times New Roman"/>
+                <a:ea typeface="+mn-lt"/>
+                <a:cs typeface="+mn-lt"/>
+              </a:rPr>
+              <a:t> (Baseline </a:t>
+            </a:r>
+            <a:r>
+              <a:rPr lang="en-US" dirty="0" err="1">
+                <a:solidFill>
+                  <a:srgbClr val="373A3C"/>
+                </a:solidFill>
+                <a:latin typeface="Times New Roman"/>
+                <a:ea typeface="+mn-lt"/>
+                <a:cs typeface="+mn-lt"/>
+              </a:rPr>
+              <a:t>sai</a:t>
+            </a:r>
+            <a:r>
+              <a:rPr lang="en-US" dirty="0">
+                <a:solidFill>
+                  <a:srgbClr val="373A3C"/>
+                </a:solidFill>
+                <a:latin typeface="Times New Roman"/>
+                <a:ea typeface="+mn-lt"/>
+                <a:cs typeface="+mn-lt"/>
+              </a:rPr>
+              <a:t> -&gt; Augmented </a:t>
+            </a:r>
+            <a:r>
+              <a:rPr lang="en-US" dirty="0" err="1">
+                <a:solidFill>
+                  <a:srgbClr val="373A3C"/>
+                </a:solidFill>
+                <a:latin typeface="Times New Roman"/>
+                <a:ea typeface="+mn-lt"/>
+                <a:cs typeface="+mn-lt"/>
+              </a:rPr>
+              <a:t>đúng</a:t>
+            </a:r>
+            <a:r>
+              <a:rPr lang="en-US" dirty="0">
+                <a:solidFill>
+                  <a:srgbClr val="373A3C"/>
+                </a:solidFill>
+                <a:latin typeface="Times New Roman"/>
+                <a:ea typeface="+mn-lt"/>
+                <a:cs typeface="+mn-lt"/>
+              </a:rPr>
+              <a:t>).</a:t>
+            </a:r>
+            <a:endParaRPr lang="en-US" dirty="0">
               <a:latin typeface="Times New Roman"/>
               <a:cs typeface="Times New Roman"/>
             </a:endParaRPr>
@@ -40253,17 +43784,105 @@
               <a:buChar char="o"/>
             </a:pPr>
             <a:r>
-              <a:rPr lang="en-US">
-                <a:solidFill>
-                  <a:srgbClr val="373A3C"/>
-                </a:solidFill>
-                <a:latin typeface="Times New Roman"/>
-                <a:ea typeface="+mn-lt"/>
-                <a:cs typeface="+mn-lt"/>
-              </a:rPr>
-              <a:t>Synthetic gây nhiễu (Baseline đúng $\to$ Augmented sai).</a:t>
-            </a:r>
-            <a:endParaRPr lang="en-US">
+              <a:rPr lang="en-US" dirty="0">
+                <a:solidFill>
+                  <a:srgbClr val="373A3C"/>
+                </a:solidFill>
+                <a:latin typeface="Times New Roman"/>
+                <a:ea typeface="+mn-lt"/>
+                <a:cs typeface="+mn-lt"/>
+              </a:rPr>
+              <a:t>Synthetic </a:t>
+            </a:r>
+            <a:r>
+              <a:rPr lang="en-US" dirty="0" err="1">
+                <a:solidFill>
+                  <a:srgbClr val="373A3C"/>
+                </a:solidFill>
+                <a:latin typeface="Times New Roman"/>
+                <a:ea typeface="+mn-lt"/>
+                <a:cs typeface="+mn-lt"/>
+              </a:rPr>
+              <a:t>gây</a:t>
+            </a:r>
+            <a:r>
+              <a:rPr lang="en-US" dirty="0">
+                <a:solidFill>
+                  <a:srgbClr val="373A3C"/>
+                </a:solidFill>
+                <a:latin typeface="Times New Roman"/>
+                <a:ea typeface="+mn-lt"/>
+                <a:cs typeface="+mn-lt"/>
+              </a:rPr>
+              <a:t> </a:t>
+            </a:r>
+            <a:r>
+              <a:rPr lang="en-US" dirty="0" err="1">
+                <a:solidFill>
+                  <a:srgbClr val="373A3C"/>
+                </a:solidFill>
+                <a:latin typeface="Times New Roman"/>
+                <a:ea typeface="+mn-lt"/>
+                <a:cs typeface="+mn-lt"/>
+              </a:rPr>
+              <a:t>nhiễu</a:t>
+            </a:r>
+            <a:r>
+              <a:rPr lang="en-US" dirty="0">
+                <a:solidFill>
+                  <a:srgbClr val="373A3C"/>
+                </a:solidFill>
+                <a:latin typeface="Times New Roman"/>
+                <a:ea typeface="+mn-lt"/>
+                <a:cs typeface="+mn-lt"/>
+              </a:rPr>
+              <a:t> (Baseline </a:t>
+            </a:r>
+            <a:r>
+              <a:rPr lang="en-US" dirty="0" err="1">
+                <a:solidFill>
+                  <a:srgbClr val="373A3C"/>
+                </a:solidFill>
+                <a:latin typeface="Times New Roman"/>
+                <a:ea typeface="+mn-lt"/>
+                <a:cs typeface="+mn-lt"/>
+              </a:rPr>
+              <a:t>đúng</a:t>
+            </a:r>
+            <a:r>
+              <a:rPr lang="en-US" dirty="0">
+                <a:solidFill>
+                  <a:srgbClr val="373A3C"/>
+                </a:solidFill>
+                <a:latin typeface="Times New Roman"/>
+                <a:ea typeface="+mn-lt"/>
+                <a:cs typeface="+mn-lt"/>
+              </a:rPr>
+              <a:t> -&gt; Augmented </a:t>
+            </a:r>
+            <a:r>
+              <a:rPr lang="en-US" dirty="0" err="1">
+                <a:solidFill>
+                  <a:srgbClr val="373A3C"/>
+                </a:solidFill>
+                <a:latin typeface="Times New Roman"/>
+                <a:ea typeface="+mn-lt"/>
+                <a:cs typeface="+mn-lt"/>
+              </a:rPr>
+              <a:t>sai</a:t>
+            </a:r>
+            <a:r>
+              <a:rPr lang="en-US" dirty="0">
+                <a:solidFill>
+                  <a:srgbClr val="373A3C"/>
+                </a:solidFill>
+                <a:latin typeface="Times New Roman"/>
+                <a:ea typeface="+mn-lt"/>
+                <a:cs typeface="+mn-lt"/>
+              </a:rPr>
+              <a:t>).</a:t>
+            </a:r>
+            <a:endParaRPr lang="en-US" dirty="0">
               <a:latin typeface="Times New Roman"/>
               <a:cs typeface="Times New Roman"/>
             </a:endParaRPr>
@@ -40274,17 +43893,127 @@
               <a:buChar char="o"/>
             </a:pPr>
             <a:r>
-              <a:rPr lang="en-US">
-                <a:solidFill>
-                  <a:srgbClr val="373A3C"/>
-                </a:solidFill>
-                <a:latin typeface="Times New Roman"/>
-                <a:ea typeface="+mn-lt"/>
-                <a:cs typeface="+mn-lt"/>
-              </a:rPr>
-              <a:t>Ca khó (Cả hai đều sai).</a:t>
-            </a:r>
-            <a:endParaRPr lang="en-US">
+              <a:rPr lang="en-US" dirty="0">
+                <a:solidFill>
+                  <a:srgbClr val="373A3C"/>
+                </a:solidFill>
+                <a:latin typeface="Times New Roman"/>
+                <a:ea typeface="+mn-lt"/>
+                <a:cs typeface="+mn-lt"/>
+              </a:rPr>
+              <a:t>Ca </a:t>
+            </a:r>
+            <a:r>
+              <a:rPr lang="en-US" dirty="0" err="1">
+                <a:solidFill>
+                  <a:srgbClr val="373A3C"/>
+                </a:solidFill>
+                <a:latin typeface="Times New Roman"/>
+                <a:ea typeface="+mn-lt"/>
+                <a:cs typeface="+mn-lt"/>
+              </a:rPr>
+              <a:t>khó</a:t>
+            </a:r>
+            <a:r>
+              <a:rPr lang="en-US" dirty="0">
+                <a:solidFill>
+                  <a:srgbClr val="373A3C"/>
+                </a:solidFill>
+                <a:latin typeface="Times New Roman"/>
+                <a:ea typeface="+mn-lt"/>
+                <a:cs typeface="+mn-lt"/>
+              </a:rPr>
+              <a:t> (</a:t>
+            </a:r>
+            <a:r>
+              <a:rPr lang="en-US" dirty="0" err="1">
+                <a:solidFill>
+                  <a:srgbClr val="373A3C"/>
+                </a:solidFill>
+                <a:latin typeface="Times New Roman"/>
+                <a:ea typeface="+mn-lt"/>
+                <a:cs typeface="+mn-lt"/>
+              </a:rPr>
+              <a:t>Cả</a:t>
+            </a:r>
+            <a:r>
+              <a:rPr lang="en-US" dirty="0">
+                <a:solidFill>
+                  <a:srgbClr val="373A3C"/>
+                </a:solidFill>
+                <a:latin typeface="Times New Roman"/>
+                <a:ea typeface="+mn-lt"/>
+                <a:cs typeface="+mn-lt"/>
+              </a:rPr>
+              <a:t> </a:t>
+            </a:r>
+            <a:r>
+              <a:rPr lang="en-US" dirty="0" err="1">
+                <a:solidFill>
+                  <a:srgbClr val="373A3C"/>
+                </a:solidFill>
+                <a:latin typeface="Times New Roman"/>
+                <a:ea typeface="+mn-lt"/>
+                <a:cs typeface="+mn-lt"/>
+              </a:rPr>
+              <a:t>hai</a:t>
+            </a:r>
+            <a:r>
+              <a:rPr lang="en-US" dirty="0">
+                <a:solidFill>
+                  <a:srgbClr val="373A3C"/>
+                </a:solidFill>
+                <a:latin typeface="Times New Roman"/>
+                <a:ea typeface="+mn-lt"/>
+                <a:cs typeface="+mn-lt"/>
+              </a:rPr>
+              <a:t> </a:t>
+            </a:r>
+            <a:r>
+              <a:rPr lang="en-US" dirty="0" err="1">
+                <a:solidFill>
+                  <a:srgbClr val="373A3C"/>
+                </a:solidFill>
+                <a:latin typeface="Times New Roman"/>
+                <a:ea typeface="+mn-lt"/>
+                <a:cs typeface="+mn-lt"/>
+              </a:rPr>
+              <a:t>đều</a:t>
+            </a:r>
+            <a:r>
+              <a:rPr lang="en-US" dirty="0">
+                <a:solidFill>
+                  <a:srgbClr val="373A3C"/>
+                </a:solidFill>
+                <a:latin typeface="Times New Roman"/>
+                <a:ea typeface="+mn-lt"/>
+                <a:cs typeface="+mn-lt"/>
+              </a:rPr>
+              <a:t> </a:t>
+            </a:r>
+            <a:r>
+              <a:rPr lang="en-US" dirty="0" err="1">
+                <a:solidFill>
+                  <a:srgbClr val="373A3C"/>
+                </a:solidFill>
+                <a:latin typeface="Times New Roman"/>
+                <a:ea typeface="+mn-lt"/>
+                <a:cs typeface="+mn-lt"/>
+              </a:rPr>
+              <a:t>sai</a:t>
+            </a:r>
+            <a:r>
+              <a:rPr lang="en-US" dirty="0">
+                <a:solidFill>
+                  <a:srgbClr val="373A3C"/>
+                </a:solidFill>
+                <a:latin typeface="Times New Roman"/>
+                <a:ea typeface="+mn-lt"/>
+                <a:cs typeface="+mn-lt"/>
+              </a:rPr>
+              <a:t>).</a:t>
+            </a:r>
+            <a:endParaRPr lang="en-US" dirty="0">
               <a:latin typeface="Times New Roman"/>
               <a:cs typeface="Times New Roman"/>
             </a:endParaRPr>
@@ -40294,7 +44023,7 @@
               <a:buFont typeface="Arial"/>
               <a:buChar char="•"/>
             </a:pPr>
-            <a:endParaRPr lang="en-US" sz="2400">
+            <a:endParaRPr lang="en-US" sz="2400" dirty="0">
               <a:solidFill>
                 <a:srgbClr val="373A3C"/>
               </a:solidFill>
